--- a/s4_debugging_and_logging/lecture/Debugging.pptx
+++ b/s4_debugging_and_logging/lecture/Debugging.pptx
@@ -5,24 +5,26 @@
     <p:sldMasterId id="2147483648" r:id="rId1"/>
   </p:sldMasterIdLst>
   <p:notesMasterIdLst>
-    <p:notesMasterId r:id="rId14"/>
+    <p:notesMasterId r:id="rId16"/>
   </p:notesMasterIdLst>
   <p:handoutMasterIdLst>
-    <p:handoutMasterId r:id="rId15"/>
+    <p:handoutMasterId r:id="rId17"/>
   </p:handoutMasterIdLst>
   <p:sldIdLst>
     <p:sldId id="256" r:id="rId2"/>
     <p:sldId id="257" r:id="rId3"/>
     <p:sldId id="258" r:id="rId4"/>
     <p:sldId id="259" r:id="rId5"/>
-    <p:sldId id="260" r:id="rId6"/>
-    <p:sldId id="261" r:id="rId7"/>
-    <p:sldId id="262" r:id="rId8"/>
-    <p:sldId id="263" r:id="rId9"/>
-    <p:sldId id="264" r:id="rId10"/>
-    <p:sldId id="265" r:id="rId11"/>
-    <p:sldId id="266" r:id="rId12"/>
-    <p:sldId id="267" r:id="rId13"/>
+    <p:sldId id="268" r:id="rId6"/>
+    <p:sldId id="260" r:id="rId7"/>
+    <p:sldId id="261" r:id="rId8"/>
+    <p:sldId id="262" r:id="rId9"/>
+    <p:sldId id="263" r:id="rId10"/>
+    <p:sldId id="264" r:id="rId11"/>
+    <p:sldId id="265" r:id="rId12"/>
+    <p:sldId id="269" r:id="rId13"/>
+    <p:sldId id="266" r:id="rId14"/>
+    <p:sldId id="267" r:id="rId15"/>
   </p:sldIdLst>
   <p:sldSz cx="12192000" cy="6858000"/>
   <p:notesSz cx="6858000" cy="9144000"/>
@@ -226,7 +228,7 @@
           <a:p>
             <a:fld id="{D75CAE95-D2DD-4998-876A-092BFD628C65}" type="datetimeFigureOut">
               <a:rPr lang="da-DK" smtClean="0"/>
-              <a:t>08-06-2021</a:t>
+              <a:t>06-01-2022</a:t>
             </a:fld>
             <a:endParaRPr lang="da-DK"/>
           </a:p>
@@ -404,7 +406,7 @@
           <a:p>
             <a:fld id="{1DA8E099-58AA-4136-B409-1CAD1943D842}" type="datetimeFigureOut">
               <a:rPr lang="da-DK" smtClean="0"/>
-              <a:t>08-06-2021</a:t>
+              <a:t>06-01-2022</a:t>
             </a:fld>
             <a:endParaRPr lang="da-DK"/>
           </a:p>
@@ -822,7 +824,7 @@
           <a:p>
             <a:fld id="{C85334AD-9960-4065-BF34-86ED0345A76D}" type="datetime1">
               <a:rPr lang="en-US" smtClean="0"/>
-              <a:t>6/8/2021</a:t>
+              <a:t>1/6/2022</a:t>
             </a:fld>
             <a:endParaRPr lang="da-DK"/>
           </a:p>
@@ -1061,7 +1063,7 @@
           <a:p>
             <a:fld id="{C5669758-3775-48D7-A841-693E908C3BF4}" type="datetime1">
               <a:rPr lang="en-US" smtClean="0"/>
-              <a:t>6/8/2021</a:t>
+              <a:t>1/6/2022</a:t>
             </a:fld>
             <a:endParaRPr lang="da-DK"/>
           </a:p>
@@ -1274,7 +1276,7 @@
           <a:p>
             <a:fld id="{1E0C3FF1-EDBD-4F2A-8366-34A4E3728310}" type="datetime1">
               <a:rPr lang="en-US" smtClean="0"/>
-              <a:t>6/8/2021</a:t>
+              <a:t>1/6/2022</a:t>
             </a:fld>
             <a:endParaRPr lang="da-DK"/>
           </a:p>
@@ -1495,7 +1497,7 @@
           <a:p>
             <a:fld id="{019E29B9-5584-4737-9C98-1B926378C778}" type="datetime1">
               <a:rPr lang="en-US" smtClean="0"/>
-              <a:t>6/8/2021</a:t>
+              <a:t>1/6/2022</a:t>
             </a:fld>
             <a:endParaRPr lang="da-DK"/>
           </a:p>
@@ -1810,7 +1812,7 @@
           <a:p>
             <a:fld id="{FCE38F03-F67D-4508-A858-99FCD085087C}" type="datetime1">
               <a:rPr lang="en-US" smtClean="0"/>
-              <a:t>6/8/2021</a:t>
+              <a:t>1/6/2022</a:t>
             </a:fld>
             <a:endParaRPr lang="da-DK"/>
           </a:p>
@@ -2081,7 +2083,7 @@
           <a:p>
             <a:fld id="{B43F2930-3FFD-4F93-A4BD-4F0D1A0B4514}" type="datetime1">
               <a:rPr lang="en-US" smtClean="0"/>
-              <a:t>6/8/2021</a:t>
+              <a:t>1/6/2022</a:t>
             </a:fld>
             <a:endParaRPr lang="da-DK"/>
           </a:p>
@@ -2499,7 +2501,7 @@
           <a:p>
             <a:fld id="{8E0F9B9B-30CC-4693-8E0F-1A94A979E2C5}" type="datetime1">
               <a:rPr lang="en-US" smtClean="0"/>
-              <a:t>6/8/2021</a:t>
+              <a:t>1/6/2022</a:t>
             </a:fld>
             <a:endParaRPr lang="da-DK"/>
           </a:p>
@@ -2644,7 +2646,7 @@
           <a:p>
             <a:fld id="{6FE1433B-E6A7-44FF-8B55-539471B4D7C5}" type="datetime1">
               <a:rPr lang="en-US" smtClean="0"/>
-              <a:t>6/8/2021</a:t>
+              <a:t>1/6/2022</a:t>
             </a:fld>
             <a:endParaRPr lang="da-DK"/>
           </a:p>
@@ -2760,7 +2762,7 @@
           <a:p>
             <a:fld id="{624F4001-6A8C-42DA-824F-B5CC1375B861}" type="datetime1">
               <a:rPr lang="en-US" smtClean="0"/>
-              <a:t>6/8/2021</a:t>
+              <a:t>1/6/2022</a:t>
             </a:fld>
             <a:endParaRPr lang="da-DK"/>
           </a:p>
@@ -3076,7 +3078,7 @@
           <a:p>
             <a:fld id="{2D3BE137-2C5E-4078-8BA2-7D42D7E67218}" type="datetime1">
               <a:rPr lang="en-US" smtClean="0"/>
-              <a:t>6/8/2021</a:t>
+              <a:t>1/6/2022</a:t>
             </a:fld>
             <a:endParaRPr lang="da-DK"/>
           </a:p>
@@ -3368,7 +3370,7 @@
           <a:p>
             <a:fld id="{0D1436FF-56D3-4E93-92E8-71121EAB120E}" type="datetime1">
               <a:rPr lang="en-US" smtClean="0"/>
-              <a:t>6/8/2021</a:t>
+              <a:t>1/6/2022</a:t>
             </a:fld>
             <a:endParaRPr lang="da-DK"/>
           </a:p>
@@ -3614,7 +3616,7 @@
           <a:p>
             <a:fld id="{16601EF2-4BCA-4009-ACCF-B97F259DEF6F}" type="datetime1">
               <a:rPr lang="en-US" smtClean="0"/>
-              <a:t>6/8/2021</a:t>
+              <a:t>1/6/2022</a:t>
             </a:fld>
             <a:endParaRPr lang="da-DK"/>
           </a:p>
@@ -4100,7 +4102,7 @@
           <a:p>
             <a:r>
               <a:rPr lang="da-DK" dirty="0"/>
-              <a:t>Machine Learning Operations</a:t>
+              <a:t>02476 Machine Learning Operations</a:t>
             </a:r>
           </a:p>
           <a:p>
@@ -4158,7 +4160,7 @@
           <p:cNvPr id="2" name="Title 1">
             <a:extLst>
               <a:ext uri="{FF2B5EF4-FFF2-40B4-BE49-F238E27FC236}">
-                <a16:creationId xmlns:a16="http://schemas.microsoft.com/office/drawing/2014/main" id="{CCA9597C-6D74-409D-ACB1-9FA99F602AE8}"/>
+                <a16:creationId xmlns:a16="http://schemas.microsoft.com/office/drawing/2014/main" id="{EB0C4533-4333-4B2B-88AA-F08F654F2B71}"/>
               </a:ext>
             </a:extLst>
           </p:cNvPr>
@@ -4176,7 +4178,7 @@
           <a:p>
             <a:r>
               <a:rPr lang="da-DK" dirty="0"/>
-              <a:t>Why do I get Nans?</a:t>
+              <a:t>Plotting</a:t>
             </a:r>
           </a:p>
         </p:txBody>
@@ -4186,7 +4188,7 @@
           <p:cNvPr id="3" name="Content Placeholder 2">
             <a:extLst>
               <a:ext uri="{FF2B5EF4-FFF2-40B4-BE49-F238E27FC236}">
-                <a16:creationId xmlns:a16="http://schemas.microsoft.com/office/drawing/2014/main" id="{2A5A6B8D-375A-43A6-B4A9-E388B1D8CB66}"/>
+                <a16:creationId xmlns:a16="http://schemas.microsoft.com/office/drawing/2014/main" id="{E856B3DE-5002-4463-B044-EE9696131DC2}"/>
               </a:ext>
             </a:extLst>
           </p:cNvPr>
@@ -4202,76 +4204,48 @@
           <a:bodyPr/>
           <a:lstStyle/>
           <a:p>
-            <a:pPr marL="0" indent="0">
-              <a:buNone/>
+            <a:pPr marL="514350" indent="-514350">
+              <a:buFont typeface="+mj-lt"/>
+              <a:buAutoNum type="arabicPeriod"/>
             </a:pPr>
             <a:r>
-              <a:rPr lang="en-US" sz="2400" dirty="0"/>
-              <a:t>An all too common issue we run into is that our code produces </a:t>
-            </a:r>
-            <a:r>
-              <a:rPr lang="en-US" sz="2400" dirty="0" err="1"/>
-              <a:t>NaN</a:t>
-            </a:r>
-            <a:r>
-              <a:rPr lang="en-US" sz="2400" dirty="0"/>
-              <a:t>. Generally speaking code produces </a:t>
-            </a:r>
-            <a:r>
-              <a:rPr lang="en-US" sz="2400" dirty="0" err="1"/>
-              <a:t>NaNs</a:t>
-            </a:r>
-            <a:r>
-              <a:rPr lang="en-US" sz="2400" dirty="0"/>
-              <a:t> if you multiply/divide by annoying combinations of Inf and 0. </a:t>
-            </a:r>
-          </a:p>
-          <a:p>
-            <a:pPr marL="0" indent="0">
-              <a:buNone/>
+              <a:rPr lang="en-US" dirty="0"/>
+              <a:t>Can you reduce data dimension (synthetically) ? That might allow you to plot stuff.</a:t>
+            </a:r>
+          </a:p>
+          <a:p>
+            <a:pPr marL="514350" indent="-514350">
+              <a:buFont typeface="+mj-lt"/>
+              <a:buAutoNum type="arabicPeriod"/>
             </a:pPr>
-            <a:r>
-              <a:rPr lang="en-US" sz="2400" dirty="0"/>
-              <a:t>Step 1: locate where that happens.</a:t>
-            </a:r>
-          </a:p>
-          <a:p>
-            <a:pPr marL="0" indent="0">
-              <a:buNone/>
+            <a:endParaRPr lang="en-US" dirty="0"/>
+          </a:p>
+          <a:p>
+            <a:pPr marL="514350" indent="-514350">
+              <a:buFont typeface="+mj-lt"/>
+              <a:buAutoNum type="arabicPeriod"/>
             </a:pPr>
-            <a:endParaRPr lang="en-US" sz="2400" dirty="0"/>
-          </a:p>
-          <a:p>
-            <a:pPr marL="0" indent="0">
-              <a:buNone/>
+            <a:r>
+              <a:rPr lang="en-US" dirty="0"/>
+              <a:t>Can you reduce the number of model parameters? That might allow you to plot how the parameters evolve during training.</a:t>
+            </a:r>
+          </a:p>
+          <a:p>
+            <a:pPr marL="514350" indent="-514350">
+              <a:buFont typeface="+mj-lt"/>
+              <a:buAutoNum type="arabicPeriod"/>
             </a:pPr>
-            <a:r>
-              <a:rPr lang="en-US" sz="2400" dirty="0"/>
-              <a:t>Often you cannot avoid these situations, and you should consider</a:t>
-            </a:r>
-          </a:p>
-          <a:p>
-            <a:pPr marL="0" indent="0">
-              <a:buNone/>
+            <a:endParaRPr lang="en-US" dirty="0"/>
+          </a:p>
+          <a:p>
+            <a:pPr marL="514350" indent="-514350">
+              <a:buFont typeface="+mj-lt"/>
+              <a:buAutoNum type="arabicPeriod"/>
             </a:pPr>
             <a:r>
-              <a:rPr lang="en-US" sz="2400" dirty="0"/>
-              <a:t>working on a log-scale.</a:t>
-            </a:r>
-          </a:p>
-          <a:p>
-            <a:pPr marL="0" indent="0">
-              <a:buNone/>
-            </a:pPr>
-            <a:r>
-              <a:rPr lang="en-US" sz="2400" dirty="0"/>
-              <a:t>Step 2:</a:t>
-            </a:r>
-          </a:p>
-          <a:p>
-            <a:pPr marL="0" indent="0">
-              <a:buNone/>
-            </a:pPr>
+              <a:rPr lang="en-US" dirty="0"/>
+              <a:t>If you cannot reduce dimensions (are you sure?), then plot anyway. Beware of t-SNE and the likes: plots looks great but tend to be so misleading that you cannot learn from them.</a:t>
+            </a:r>
             <a:endParaRPr lang="da-DK" dirty="0"/>
           </a:p>
         </p:txBody>
@@ -4281,7 +4255,7 @@
           <p:cNvPr id="4" name="Date Placeholder 3">
             <a:extLst>
               <a:ext uri="{FF2B5EF4-FFF2-40B4-BE49-F238E27FC236}">
-                <a16:creationId xmlns:a16="http://schemas.microsoft.com/office/drawing/2014/main" id="{23F26B0A-A53E-428E-8DC9-1CBA8F43978F}"/>
+                <a16:creationId xmlns:a16="http://schemas.microsoft.com/office/drawing/2014/main" id="{5EA75FD4-C172-494E-BFDB-40F1261A10D9}"/>
               </a:ext>
             </a:extLst>
           </p:cNvPr>
@@ -4299,9 +4273,9 @@
           <a:p>
             <a:fld id="{019E29B9-5584-4737-9C98-1B926378C778}" type="datetime1">
               <a:rPr lang="en-US" smtClean="0"/>
-              <a:t>6/8/2021</a:t>
+              <a:t>1/6/2022</a:t>
             </a:fld>
-            <a:endParaRPr lang="da-DK"/>
+            <a:endParaRPr lang="da-DK" dirty="0"/>
           </a:p>
         </p:txBody>
       </p:sp>
@@ -4310,7 +4284,7 @@
           <p:cNvPr id="5" name="Footer Placeholder 4">
             <a:extLst>
               <a:ext uri="{FF2B5EF4-FFF2-40B4-BE49-F238E27FC236}">
-                <a16:creationId xmlns:a16="http://schemas.microsoft.com/office/drawing/2014/main" id="{187D9445-9024-4CC9-8894-0F0420AD5284}"/>
+                <a16:creationId xmlns:a16="http://schemas.microsoft.com/office/drawing/2014/main" id="{082A24CC-3CA7-4514-AD90-6AF93823956A}"/>
               </a:ext>
             </a:extLst>
           </p:cNvPr>
@@ -4338,7 +4312,7 @@
           <p:cNvPr id="6" name="Slide Number Placeholder 5">
             <a:extLst>
               <a:ext uri="{FF2B5EF4-FFF2-40B4-BE49-F238E27FC236}">
-                <a16:creationId xmlns:a16="http://schemas.microsoft.com/office/drawing/2014/main" id="{B3C8F503-B14D-4ED4-867A-EA148B5F38C0}"/>
+                <a16:creationId xmlns:a16="http://schemas.microsoft.com/office/drawing/2014/main" id="{9E4A4616-D692-4C7F-8857-A43B2DABCE70}"/>
               </a:ext>
             </a:extLst>
           </p:cNvPr>
@@ -4362,158 +4336,10 @@
           </a:p>
         </p:txBody>
       </p:sp>
-      <p:sp>
-        <p:nvSpPr>
-          <p:cNvPr id="7" name="TextBox 6">
-            <a:extLst>
-              <a:ext uri="{FF2B5EF4-FFF2-40B4-BE49-F238E27FC236}">
-                <a16:creationId xmlns:a16="http://schemas.microsoft.com/office/drawing/2014/main" id="{D0703790-6123-4CC4-9B09-20C9619B05B5}"/>
-              </a:ext>
-            </a:extLst>
-          </p:cNvPr>
-          <p:cNvSpPr txBox="1"/>
-          <p:nvPr/>
-        </p:nvSpPr>
-        <p:spPr>
-          <a:xfrm>
-            <a:off x="2731342" y="4646770"/>
-            <a:ext cx="1857624" cy="1200329"/>
-          </a:xfrm>
-          <a:prstGeom prst="rect">
-            <a:avLst/>
-          </a:prstGeom>
-          <a:noFill/>
-        </p:spPr>
-        <p:txBody>
-          <a:bodyPr wrap="none" rtlCol="0">
-            <a:spAutoFit/>
-          </a:bodyPr>
-          <a:lstStyle/>
-          <a:p>
-            <a:r>
-              <a:rPr lang="en-US" sz="2400" dirty="0">
-                <a:latin typeface="+mj-lt"/>
-              </a:rPr>
-              <a:t> a = 1</a:t>
-            </a:r>
-          </a:p>
-          <a:p>
-            <a:r>
-              <a:rPr lang="en-US" sz="2400" dirty="0">
-                <a:latin typeface="+mj-lt"/>
-              </a:rPr>
-              <a:t> for x in data:</a:t>
-            </a:r>
-          </a:p>
-          <a:p>
-            <a:r>
-              <a:rPr lang="en-US" sz="2400" dirty="0">
-                <a:latin typeface="+mj-lt"/>
-              </a:rPr>
-              <a:t>    a = a * x</a:t>
-            </a:r>
-            <a:endParaRPr lang="da-DK" sz="2400" dirty="0">
-              <a:latin typeface="+mj-lt"/>
-            </a:endParaRPr>
-          </a:p>
-        </p:txBody>
-      </p:sp>
-      <p:sp>
-        <p:nvSpPr>
-          <p:cNvPr id="8" name="TextBox 7">
-            <a:extLst>
-              <a:ext uri="{FF2B5EF4-FFF2-40B4-BE49-F238E27FC236}">
-                <a16:creationId xmlns:a16="http://schemas.microsoft.com/office/drawing/2014/main" id="{E2DFF76B-55A9-478D-B61B-76B0A08197BB}"/>
-              </a:ext>
-            </a:extLst>
-          </p:cNvPr>
-          <p:cNvSpPr txBox="1"/>
-          <p:nvPr/>
-        </p:nvSpPr>
-        <p:spPr>
-          <a:xfrm>
-            <a:off x="6619967" y="4646770"/>
-            <a:ext cx="3066865" cy="1200329"/>
-          </a:xfrm>
-          <a:prstGeom prst="rect">
-            <a:avLst/>
-          </a:prstGeom>
-          <a:noFill/>
-        </p:spPr>
-        <p:txBody>
-          <a:bodyPr wrap="none" rtlCol="0">
-            <a:spAutoFit/>
-          </a:bodyPr>
-          <a:lstStyle/>
-          <a:p>
-            <a:r>
-              <a:rPr lang="it-IT" sz="2400" dirty="0">
-                <a:latin typeface="+mj-lt"/>
-              </a:rPr>
-              <a:t>log_a = 0</a:t>
-            </a:r>
-          </a:p>
-          <a:p>
-            <a:r>
-              <a:rPr lang="it-IT" sz="2400" dirty="0">
-                <a:latin typeface="+mj-lt"/>
-              </a:rPr>
-              <a:t>for x in data:</a:t>
-            </a:r>
-          </a:p>
-          <a:p>
-            <a:r>
-              <a:rPr lang="it-IT" sz="2400" dirty="0">
-                <a:latin typeface="+mj-lt"/>
-              </a:rPr>
-              <a:t>    log_a = log_a + log(x)</a:t>
-            </a:r>
-            <a:endParaRPr lang="da-DK" sz="2400" dirty="0">
-              <a:latin typeface="+mj-lt"/>
-            </a:endParaRPr>
-          </a:p>
-        </p:txBody>
-      </p:sp>
-      <p:sp>
-        <p:nvSpPr>
-          <p:cNvPr id="10" name="TextBox 9">
-            <a:extLst>
-              <a:ext uri="{FF2B5EF4-FFF2-40B4-BE49-F238E27FC236}">
-                <a16:creationId xmlns:a16="http://schemas.microsoft.com/office/drawing/2014/main" id="{C35188BD-CDB9-42F7-9603-2C5BF3C0E8B9}"/>
-              </a:ext>
-            </a:extLst>
-          </p:cNvPr>
-          <p:cNvSpPr txBox="1"/>
-          <p:nvPr/>
-        </p:nvSpPr>
-        <p:spPr>
-          <a:xfrm>
-            <a:off x="3592230" y="5841820"/>
-            <a:ext cx="6094602" cy="369332"/>
-          </a:xfrm>
-          <a:prstGeom prst="rect">
-            <a:avLst/>
-          </a:prstGeom>
-          <a:noFill/>
-        </p:spPr>
-        <p:txBody>
-          <a:bodyPr wrap="square">
-            <a:spAutoFit/>
-          </a:bodyPr>
-          <a:lstStyle/>
-          <a:p>
-            <a:r>
-              <a:rPr lang="en-US" sz="1800" dirty="0"/>
-              <a:t>Trade-off between precision and stability</a:t>
-            </a:r>
-            <a:endParaRPr lang="da-DK" dirty="0"/>
-          </a:p>
-        </p:txBody>
-      </p:sp>
     </p:spTree>
     <p:extLst>
       <p:ext uri="{BB962C8B-B14F-4D97-AF65-F5344CB8AC3E}">
-        <p14:creationId xmlns:p14="http://schemas.microsoft.com/office/powerpoint/2010/main" val="1190327597"/>
+        <p14:creationId xmlns:p14="http://schemas.microsoft.com/office/powerpoint/2010/main" val="444938066"/>
       </p:ext>
     </p:extLst>
   </p:cSld>
@@ -4545,7 +4371,7 @@
           <p:cNvPr id="2" name="Title 1">
             <a:extLst>
               <a:ext uri="{FF2B5EF4-FFF2-40B4-BE49-F238E27FC236}">
-                <a16:creationId xmlns:a16="http://schemas.microsoft.com/office/drawing/2014/main" id="{3936CC48-F9C6-4B90-9D87-BC676F6A6EC5}"/>
+                <a16:creationId xmlns:a16="http://schemas.microsoft.com/office/drawing/2014/main" id="{CCA9597C-6D74-409D-ACB1-9FA99F602AE8}"/>
               </a:ext>
             </a:extLst>
           </p:cNvPr>
@@ -4563,7 +4389,7 @@
           <a:p>
             <a:r>
               <a:rPr lang="da-DK" dirty="0"/>
-              <a:t>Summary</a:t>
+              <a:t>Why do I get Nans?</a:t>
             </a:r>
           </a:p>
         </p:txBody>
@@ -4573,7 +4399,7 @@
           <p:cNvPr id="3" name="Content Placeholder 2">
             <a:extLst>
               <a:ext uri="{FF2B5EF4-FFF2-40B4-BE49-F238E27FC236}">
-                <a16:creationId xmlns:a16="http://schemas.microsoft.com/office/drawing/2014/main" id="{C55F6BDF-682F-4B7B-A35D-5944E04BE0B9}"/>
+                <a16:creationId xmlns:a16="http://schemas.microsoft.com/office/drawing/2014/main" id="{2A5A6B8D-375A-43A6-B4A9-E388B1D8CB66}"/>
               </a:ext>
             </a:extLst>
           </p:cNvPr>
@@ -4589,66 +4415,78 @@
           <a:bodyPr/>
           <a:lstStyle/>
           <a:p>
-            <a:pPr marL="514350" indent="-514350">
-              <a:buFont typeface="+mj-lt"/>
-              <a:buAutoNum type="arabicPeriod"/>
+            <a:pPr marL="0" indent="0">
+              <a:buNone/>
             </a:pPr>
             <a:r>
-              <a:rPr lang="en-US" dirty="0"/>
-              <a:t>Debug the math (check dimensions, redo derivations, ...)</a:t>
-            </a:r>
-          </a:p>
-          <a:p>
-            <a:pPr marL="514350" indent="-514350">
-              <a:buFont typeface="+mj-lt"/>
-              <a:buAutoNum type="arabicPeriod"/>
+              <a:rPr lang="en-US" sz="2400" dirty="0"/>
+              <a:t>An all too common issue we run into is that our code produces </a:t>
+            </a:r>
+            <a:r>
+              <a:rPr lang="en-US" sz="2400" dirty="0" err="1"/>
+              <a:t>NaN</a:t>
+            </a:r>
+            <a:r>
+              <a:rPr lang="en-US" sz="2400" dirty="0"/>
+              <a:t>. Generally speaking code produces </a:t>
+            </a:r>
+            <a:r>
+              <a:rPr lang="en-US" sz="2400" dirty="0" err="1"/>
+              <a:t>NaNs</a:t>
+            </a:r>
+            <a:r>
+              <a:rPr lang="en-US" sz="2400" dirty="0"/>
+              <a:t> if you multiply/divide by annoying combinations of Inf and 0. </a:t>
+            </a:r>
+          </a:p>
+          <a:p>
+            <a:pPr marL="0" indent="0">
+              <a:buNone/>
             </a:pPr>
-            <a:endParaRPr lang="en-US" dirty="0"/>
-          </a:p>
-          <a:p>
-            <a:pPr marL="514350" indent="-514350">
-              <a:buFont typeface="+mj-lt"/>
-              <a:buAutoNum type="arabicPeriod"/>
+            <a:r>
+              <a:rPr lang="en-US" sz="2400" dirty="0"/>
+              <a:t>Step 1: locate where that happens.</a:t>
+            </a:r>
+          </a:p>
+          <a:p>
+            <a:pPr marL="0" indent="0">
+              <a:buNone/>
             </a:pPr>
-            <a:r>
-              <a:rPr lang="en-US" dirty="0"/>
-              <a:t>Reduce model complexity (aim for a linear model)</a:t>
-            </a:r>
-          </a:p>
-          <a:p>
-            <a:pPr marL="514350" indent="-514350">
-              <a:buFont typeface="+mj-lt"/>
-              <a:buAutoNum type="arabicPeriod"/>
+            <a:endParaRPr lang="en-US" sz="2400" dirty="0"/>
+          </a:p>
+          <a:p>
+            <a:pPr marL="0" indent="0">
+              <a:buNone/>
             </a:pPr>
-            <a:endParaRPr lang="en-US" dirty="0"/>
-          </a:p>
-          <a:p>
-            <a:pPr marL="514350" indent="-514350">
-              <a:buFont typeface="+mj-lt"/>
-              <a:buAutoNum type="arabicPeriod"/>
+            <a:r>
+              <a:rPr lang="en-US" sz="2400" dirty="0"/>
+              <a:t>Often you cannot avoid these situations, and you should consider</a:t>
+            </a:r>
+          </a:p>
+          <a:p>
+            <a:pPr marL="0" indent="0">
+              <a:buNone/>
             </a:pPr>
             <a:r>
-              <a:rPr lang="en-US" dirty="0"/>
-              <a:t>Plan your next plot (keep plotting trustworthy)</a:t>
-            </a:r>
-          </a:p>
-          <a:p>
-            <a:pPr marL="514350" indent="-514350">
-              <a:buFont typeface="+mj-lt"/>
-              <a:buAutoNum type="arabicPeriod"/>
+              <a:rPr lang="en-US" sz="2400" dirty="0"/>
+              <a:t>working on a log-scale.</a:t>
+            </a:r>
+          </a:p>
+          <a:p>
+            <a:pPr marL="0" indent="0">
+              <a:buNone/>
+            </a:pPr>
+            <a:r>
+              <a:rPr lang="en-US" sz="2400" dirty="0"/>
+              <a:t>Step 2:</a:t>
+            </a:r>
+          </a:p>
+          <a:p>
+            <a:pPr marL="0" indent="0">
+              <a:buNone/>
             </a:pPr>
             <a:endParaRPr lang="da-DK" dirty="0"/>
           </a:p>
-          <a:p>
-            <a:pPr marL="514350" indent="-514350">
-              <a:buFont typeface="+mj-lt"/>
-              <a:buAutoNum type="arabicPeriod"/>
-            </a:pPr>
-            <a:r>
-              <a:rPr lang="da-DK" dirty="0"/>
-              <a:t>Avoid NaNs on a log-scale</a:t>
-            </a:r>
-          </a:p>
         </p:txBody>
       </p:sp>
       <p:sp>
@@ -4656,7 +4494,7 @@
           <p:cNvPr id="4" name="Date Placeholder 3">
             <a:extLst>
               <a:ext uri="{FF2B5EF4-FFF2-40B4-BE49-F238E27FC236}">
-                <a16:creationId xmlns:a16="http://schemas.microsoft.com/office/drawing/2014/main" id="{CBEB88E7-F1E6-4342-A48D-A0E93B5C6034}"/>
+                <a16:creationId xmlns:a16="http://schemas.microsoft.com/office/drawing/2014/main" id="{23F26B0A-A53E-428E-8DC9-1CBA8F43978F}"/>
               </a:ext>
             </a:extLst>
           </p:cNvPr>
@@ -4674,7 +4512,7 @@
           <a:p>
             <a:fld id="{019E29B9-5584-4737-9C98-1B926378C778}" type="datetime1">
               <a:rPr lang="en-US" smtClean="0"/>
-              <a:t>6/8/2021</a:t>
+              <a:t>1/6/2022</a:t>
             </a:fld>
             <a:endParaRPr lang="da-DK"/>
           </a:p>
@@ -4685,7 +4523,7 @@
           <p:cNvPr id="5" name="Footer Placeholder 4">
             <a:extLst>
               <a:ext uri="{FF2B5EF4-FFF2-40B4-BE49-F238E27FC236}">
-                <a16:creationId xmlns:a16="http://schemas.microsoft.com/office/drawing/2014/main" id="{79A6F5F3-C9B1-4222-8493-240612E65DF9}"/>
+                <a16:creationId xmlns:a16="http://schemas.microsoft.com/office/drawing/2014/main" id="{187D9445-9024-4CC9-8894-0F0420AD5284}"/>
               </a:ext>
             </a:extLst>
           </p:cNvPr>
@@ -4713,7 +4551,7 @@
           <p:cNvPr id="6" name="Slide Number Placeholder 5">
             <a:extLst>
               <a:ext uri="{FF2B5EF4-FFF2-40B4-BE49-F238E27FC236}">
-                <a16:creationId xmlns:a16="http://schemas.microsoft.com/office/drawing/2014/main" id="{B6722452-2EA3-415F-864E-829382FD6782}"/>
+                <a16:creationId xmlns:a16="http://schemas.microsoft.com/office/drawing/2014/main" id="{B3C8F503-B14D-4ED4-867A-EA148B5F38C0}"/>
               </a:ext>
             </a:extLst>
           </p:cNvPr>
@@ -4737,10 +4575,158 @@
           </a:p>
         </p:txBody>
       </p:sp>
+      <p:sp>
+        <p:nvSpPr>
+          <p:cNvPr id="7" name="TextBox 6">
+            <a:extLst>
+              <a:ext uri="{FF2B5EF4-FFF2-40B4-BE49-F238E27FC236}">
+                <a16:creationId xmlns:a16="http://schemas.microsoft.com/office/drawing/2014/main" id="{D0703790-6123-4CC4-9B09-20C9619B05B5}"/>
+              </a:ext>
+            </a:extLst>
+          </p:cNvPr>
+          <p:cNvSpPr txBox="1"/>
+          <p:nvPr/>
+        </p:nvSpPr>
+        <p:spPr>
+          <a:xfrm>
+            <a:off x="2731342" y="4646770"/>
+            <a:ext cx="1857624" cy="1200329"/>
+          </a:xfrm>
+          <a:prstGeom prst="rect">
+            <a:avLst/>
+          </a:prstGeom>
+          <a:noFill/>
+        </p:spPr>
+        <p:txBody>
+          <a:bodyPr wrap="none" rtlCol="0">
+            <a:spAutoFit/>
+          </a:bodyPr>
+          <a:lstStyle/>
+          <a:p>
+            <a:r>
+              <a:rPr lang="en-US" sz="2400" dirty="0">
+                <a:latin typeface="+mj-lt"/>
+              </a:rPr>
+              <a:t> a = 1</a:t>
+            </a:r>
+          </a:p>
+          <a:p>
+            <a:r>
+              <a:rPr lang="en-US" sz="2400" dirty="0">
+                <a:latin typeface="+mj-lt"/>
+              </a:rPr>
+              <a:t> for x in data:</a:t>
+            </a:r>
+          </a:p>
+          <a:p>
+            <a:r>
+              <a:rPr lang="en-US" sz="2400" dirty="0">
+                <a:latin typeface="+mj-lt"/>
+              </a:rPr>
+              <a:t>    a = a * x</a:t>
+            </a:r>
+            <a:endParaRPr lang="da-DK" sz="2400" dirty="0">
+              <a:latin typeface="+mj-lt"/>
+            </a:endParaRPr>
+          </a:p>
+        </p:txBody>
+      </p:sp>
+      <p:sp>
+        <p:nvSpPr>
+          <p:cNvPr id="8" name="TextBox 7">
+            <a:extLst>
+              <a:ext uri="{FF2B5EF4-FFF2-40B4-BE49-F238E27FC236}">
+                <a16:creationId xmlns:a16="http://schemas.microsoft.com/office/drawing/2014/main" id="{E2DFF76B-55A9-478D-B61B-76B0A08197BB}"/>
+              </a:ext>
+            </a:extLst>
+          </p:cNvPr>
+          <p:cNvSpPr txBox="1"/>
+          <p:nvPr/>
+        </p:nvSpPr>
+        <p:spPr>
+          <a:xfrm>
+            <a:off x="6619967" y="4646770"/>
+            <a:ext cx="3066865" cy="1200329"/>
+          </a:xfrm>
+          <a:prstGeom prst="rect">
+            <a:avLst/>
+          </a:prstGeom>
+          <a:noFill/>
+        </p:spPr>
+        <p:txBody>
+          <a:bodyPr wrap="none" rtlCol="0">
+            <a:spAutoFit/>
+          </a:bodyPr>
+          <a:lstStyle/>
+          <a:p>
+            <a:r>
+              <a:rPr lang="it-IT" sz="2400" dirty="0">
+                <a:latin typeface="+mj-lt"/>
+              </a:rPr>
+              <a:t>log_a = 0</a:t>
+            </a:r>
+          </a:p>
+          <a:p>
+            <a:r>
+              <a:rPr lang="it-IT" sz="2400" dirty="0">
+                <a:latin typeface="+mj-lt"/>
+              </a:rPr>
+              <a:t>for x in data:</a:t>
+            </a:r>
+          </a:p>
+          <a:p>
+            <a:r>
+              <a:rPr lang="it-IT" sz="2400" dirty="0">
+                <a:latin typeface="+mj-lt"/>
+              </a:rPr>
+              <a:t>    log_a = log_a + log(x)</a:t>
+            </a:r>
+            <a:endParaRPr lang="da-DK" sz="2400" dirty="0">
+              <a:latin typeface="+mj-lt"/>
+            </a:endParaRPr>
+          </a:p>
+        </p:txBody>
+      </p:sp>
+      <p:sp>
+        <p:nvSpPr>
+          <p:cNvPr id="10" name="TextBox 9">
+            <a:extLst>
+              <a:ext uri="{FF2B5EF4-FFF2-40B4-BE49-F238E27FC236}">
+                <a16:creationId xmlns:a16="http://schemas.microsoft.com/office/drawing/2014/main" id="{C35188BD-CDB9-42F7-9603-2C5BF3C0E8B9}"/>
+              </a:ext>
+            </a:extLst>
+          </p:cNvPr>
+          <p:cNvSpPr txBox="1"/>
+          <p:nvPr/>
+        </p:nvSpPr>
+        <p:spPr>
+          <a:xfrm>
+            <a:off x="3592230" y="5841820"/>
+            <a:ext cx="6094602" cy="369332"/>
+          </a:xfrm>
+          <a:prstGeom prst="rect">
+            <a:avLst/>
+          </a:prstGeom>
+          <a:noFill/>
+        </p:spPr>
+        <p:txBody>
+          <a:bodyPr wrap="square">
+            <a:spAutoFit/>
+          </a:bodyPr>
+          <a:lstStyle/>
+          <a:p>
+            <a:r>
+              <a:rPr lang="en-US" sz="1800" dirty="0"/>
+              <a:t>Trade-off between precision and stability</a:t>
+            </a:r>
+            <a:endParaRPr lang="da-DK" dirty="0"/>
+          </a:p>
+        </p:txBody>
+      </p:sp>
     </p:spTree>
     <p:extLst>
       <p:ext uri="{BB962C8B-B14F-4D97-AF65-F5344CB8AC3E}">
-        <p14:creationId xmlns:p14="http://schemas.microsoft.com/office/powerpoint/2010/main" val="1729423439"/>
+        <p14:creationId xmlns:p14="http://schemas.microsoft.com/office/powerpoint/2010/main" val="1190327597"/>
       </p:ext>
     </p:extLst>
   </p:cSld>
@@ -4772,7 +4758,7 @@
           <p:cNvPr id="2" name="Title 1">
             <a:extLst>
               <a:ext uri="{FF2B5EF4-FFF2-40B4-BE49-F238E27FC236}">
-                <a16:creationId xmlns:a16="http://schemas.microsoft.com/office/drawing/2014/main" id="{D5201A82-D44A-40C7-8C8A-1CB9332EFC61}"/>
+                <a16:creationId xmlns:a16="http://schemas.microsoft.com/office/drawing/2014/main" id="{E9BC23BF-31DB-4A9A-BA67-C9DF2849D923}"/>
               </a:ext>
             </a:extLst>
           </p:cNvPr>
@@ -4790,8 +4776,9 @@
           <a:p>
             <a:r>
               <a:rPr lang="da-DK" dirty="0"/>
-              <a:t>Meme of the day</a:t>
-            </a:r>
+              <a:t>Why is my loss wrong</a:t>
+            </a:r>
+            <a:endParaRPr lang="en-US" dirty="0"/>
           </a:p>
         </p:txBody>
       </p:sp>
@@ -4800,7 +4787,7 @@
           <p:cNvPr id="3" name="Content Placeholder 2">
             <a:extLst>
               <a:ext uri="{FF2B5EF4-FFF2-40B4-BE49-F238E27FC236}">
-                <a16:creationId xmlns:a16="http://schemas.microsoft.com/office/drawing/2014/main" id="{DB781CB1-EC9D-4DFC-831F-6C3EA5886401}"/>
+                <a16:creationId xmlns:a16="http://schemas.microsoft.com/office/drawing/2014/main" id="{493F1EC0-C9AE-482C-A3DF-CBF1BBE9120C}"/>
               </a:ext>
             </a:extLst>
           </p:cNvPr>
@@ -4816,7 +4803,61 @@
           <a:bodyPr/>
           <a:lstStyle/>
           <a:p>
-            <a:endParaRPr lang="da-DK"/>
+            <a:pPr marL="0" indent="0">
+              <a:buNone/>
+            </a:pPr>
+            <a:r>
+              <a:rPr lang="da-DK" dirty="0"/>
+              <a:t>Assuming that you model is training without errors, but loss is not behaving as it should:</a:t>
+            </a:r>
+          </a:p>
+          <a:p>
+            <a:r>
+              <a:rPr lang="da-DK" dirty="0"/>
+              <a:t>Are you printing/logging the results correctly?</a:t>
+            </a:r>
+          </a:p>
+          <a:p>
+            <a:endParaRPr lang="da-DK" dirty="0"/>
+          </a:p>
+          <a:p>
+            <a:r>
+              <a:rPr lang="en-US" dirty="0"/>
+              <a:t>Did you forget either “</a:t>
+            </a:r>
+            <a:r>
+              <a:rPr lang="en-US" dirty="0" err="1"/>
+              <a:t>loss.backward</a:t>
+            </a:r>
+            <a:r>
+              <a:rPr lang="en-US" dirty="0"/>
+              <a:t>()”, “</a:t>
+            </a:r>
+            <a:r>
+              <a:rPr lang="en-US" dirty="0" err="1"/>
+              <a:t>optimizer.step</a:t>
+            </a:r>
+            <a:r>
+              <a:rPr lang="en-US" dirty="0"/>
+              <a:t>()” or “</a:t>
+            </a:r>
+            <a:r>
+              <a:rPr lang="en-US" dirty="0" err="1"/>
+              <a:t>optimizer.zero_grad</a:t>
+            </a:r>
+            <a:r>
+              <a:rPr lang="en-US" dirty="0"/>
+              <a:t>()”?</a:t>
+            </a:r>
+          </a:p>
+          <a:p>
+            <a:endParaRPr lang="en-US" dirty="0"/>
+          </a:p>
+          <a:p>
+            <a:r>
+              <a:rPr lang="en-US" dirty="0"/>
+              <a:t>What about your learning rate and batch size?</a:t>
+            </a:r>
           </a:p>
         </p:txBody>
       </p:sp>
@@ -4825,7 +4866,7 @@
           <p:cNvPr id="4" name="Date Placeholder 3">
             <a:extLst>
               <a:ext uri="{FF2B5EF4-FFF2-40B4-BE49-F238E27FC236}">
-                <a16:creationId xmlns:a16="http://schemas.microsoft.com/office/drawing/2014/main" id="{FB34A976-5F6D-4941-8D04-34076761CD73}"/>
+                <a16:creationId xmlns:a16="http://schemas.microsoft.com/office/drawing/2014/main" id="{21FDA5EC-B182-4719-B162-2AA938CAF090}"/>
               </a:ext>
             </a:extLst>
           </p:cNvPr>
@@ -4843,7 +4884,7 @@
           <a:p>
             <a:fld id="{019E29B9-5584-4737-9C98-1B926378C778}" type="datetime1">
               <a:rPr lang="en-US" smtClean="0"/>
-              <a:t>6/8/2021</a:t>
+              <a:t>1/6/2022</a:t>
             </a:fld>
             <a:endParaRPr lang="da-DK"/>
           </a:p>
@@ -4854,7 +4895,7 @@
           <p:cNvPr id="5" name="Footer Placeholder 4">
             <a:extLst>
               <a:ext uri="{FF2B5EF4-FFF2-40B4-BE49-F238E27FC236}">
-                <a16:creationId xmlns:a16="http://schemas.microsoft.com/office/drawing/2014/main" id="{4FE8151F-E0B8-4728-B9B8-7B9017E24699}"/>
+                <a16:creationId xmlns:a16="http://schemas.microsoft.com/office/drawing/2014/main" id="{D153D710-5B8E-41C2-AAF7-B7957CC7E203}"/>
               </a:ext>
             </a:extLst>
           </p:cNvPr>
@@ -4882,7 +4923,7 @@
           <p:cNvPr id="6" name="Slide Number Placeholder 5">
             <a:extLst>
               <a:ext uri="{FF2B5EF4-FFF2-40B4-BE49-F238E27FC236}">
-                <a16:creationId xmlns:a16="http://schemas.microsoft.com/office/drawing/2014/main" id="{6EA96E43-4478-4131-8C1E-89CB05043B1B}"/>
+                <a16:creationId xmlns:a16="http://schemas.microsoft.com/office/drawing/2014/main" id="{8913CD0A-2E1E-48F0-A502-2AE0B9E71172}"/>
               </a:ext>
             </a:extLst>
           </p:cNvPr>
@@ -4901,6 +4942,377 @@
             <a:fld id="{F6FEDE24-D50C-481B-A7B4-8AF13899101A}" type="slidenum">
               <a:rPr lang="da-DK" smtClean="0"/>
               <a:t>12</a:t>
+            </a:fld>
+            <a:endParaRPr lang="da-DK"/>
+          </a:p>
+        </p:txBody>
+      </p:sp>
+    </p:spTree>
+    <p:extLst>
+      <p:ext uri="{BB962C8B-B14F-4D97-AF65-F5344CB8AC3E}">
+        <p14:creationId xmlns:p14="http://schemas.microsoft.com/office/powerpoint/2010/main" val="2529489198"/>
+      </p:ext>
+    </p:extLst>
+  </p:cSld>
+  <p:clrMapOvr>
+    <a:masterClrMapping/>
+  </p:clrMapOvr>
+</p:sld>
+</file>
+
+<file path=ppt/slides/slide13.xml><?xml version="1.0" encoding="utf-8"?>
+<p:sld xmlns:a="http://schemas.openxmlformats.org/drawingml/2006/main" xmlns:r="http://schemas.openxmlformats.org/officeDocument/2006/relationships" xmlns:p="http://schemas.openxmlformats.org/presentationml/2006/main">
+  <p:cSld>
+    <p:spTree>
+      <p:nvGrpSpPr>
+        <p:cNvPr id="1" name=""/>
+        <p:cNvGrpSpPr/>
+        <p:nvPr/>
+      </p:nvGrpSpPr>
+      <p:grpSpPr>
+        <a:xfrm>
+          <a:off x="0" y="0"/>
+          <a:ext cx="0" cy="0"/>
+          <a:chOff x="0" y="0"/>
+          <a:chExt cx="0" cy="0"/>
+        </a:xfrm>
+      </p:grpSpPr>
+      <p:sp>
+        <p:nvSpPr>
+          <p:cNvPr id="2" name="Title 1">
+            <a:extLst>
+              <a:ext uri="{FF2B5EF4-FFF2-40B4-BE49-F238E27FC236}">
+                <a16:creationId xmlns:a16="http://schemas.microsoft.com/office/drawing/2014/main" id="{3936CC48-F9C6-4B90-9D87-BC676F6A6EC5}"/>
+              </a:ext>
+            </a:extLst>
+          </p:cNvPr>
+          <p:cNvSpPr>
+            <a:spLocks noGrp="1"/>
+          </p:cNvSpPr>
+          <p:nvPr>
+            <p:ph type="title"/>
+          </p:nvPr>
+        </p:nvSpPr>
+        <p:spPr/>
+        <p:txBody>
+          <a:bodyPr/>
+          <a:lstStyle/>
+          <a:p>
+            <a:r>
+              <a:rPr lang="da-DK" dirty="0"/>
+              <a:t>Summary of debugging</a:t>
+            </a:r>
+          </a:p>
+        </p:txBody>
+      </p:sp>
+      <p:sp>
+        <p:nvSpPr>
+          <p:cNvPr id="3" name="Content Placeholder 2">
+            <a:extLst>
+              <a:ext uri="{FF2B5EF4-FFF2-40B4-BE49-F238E27FC236}">
+                <a16:creationId xmlns:a16="http://schemas.microsoft.com/office/drawing/2014/main" id="{C55F6BDF-682F-4B7B-A35D-5944E04BE0B9}"/>
+              </a:ext>
+            </a:extLst>
+          </p:cNvPr>
+          <p:cNvSpPr>
+            <a:spLocks noGrp="1"/>
+          </p:cNvSpPr>
+          <p:nvPr>
+            <p:ph idx="1"/>
+          </p:nvPr>
+        </p:nvSpPr>
+        <p:spPr/>
+        <p:txBody>
+          <a:bodyPr/>
+          <a:lstStyle/>
+          <a:p>
+            <a:pPr marL="514350" indent="-514350">
+              <a:buFont typeface="+mj-lt"/>
+              <a:buAutoNum type="arabicPeriod"/>
+            </a:pPr>
+            <a:r>
+              <a:rPr lang="en-US" dirty="0"/>
+              <a:t>Debug the math (check dimensions, redo derivations, ...)</a:t>
+            </a:r>
+          </a:p>
+          <a:p>
+            <a:pPr marL="514350" indent="-514350">
+              <a:buFont typeface="+mj-lt"/>
+              <a:buAutoNum type="arabicPeriod"/>
+            </a:pPr>
+            <a:endParaRPr lang="en-US" dirty="0"/>
+          </a:p>
+          <a:p>
+            <a:pPr marL="514350" indent="-514350">
+              <a:buFont typeface="+mj-lt"/>
+              <a:buAutoNum type="arabicPeriod"/>
+            </a:pPr>
+            <a:r>
+              <a:rPr lang="en-US" dirty="0"/>
+              <a:t>Reduce model complexity (aim for a linear model)</a:t>
+            </a:r>
+          </a:p>
+          <a:p>
+            <a:pPr marL="514350" indent="-514350">
+              <a:buFont typeface="+mj-lt"/>
+              <a:buAutoNum type="arabicPeriod"/>
+            </a:pPr>
+            <a:endParaRPr lang="en-US" dirty="0"/>
+          </a:p>
+          <a:p>
+            <a:pPr marL="514350" indent="-514350">
+              <a:buFont typeface="+mj-lt"/>
+              <a:buAutoNum type="arabicPeriod"/>
+            </a:pPr>
+            <a:r>
+              <a:rPr lang="en-US" dirty="0"/>
+              <a:t>Plan your next plot (keep plotting trustworthy)</a:t>
+            </a:r>
+          </a:p>
+          <a:p>
+            <a:pPr marL="514350" indent="-514350">
+              <a:buFont typeface="+mj-lt"/>
+              <a:buAutoNum type="arabicPeriod"/>
+            </a:pPr>
+            <a:endParaRPr lang="da-DK" dirty="0"/>
+          </a:p>
+          <a:p>
+            <a:pPr marL="514350" indent="-514350">
+              <a:buFont typeface="+mj-lt"/>
+              <a:buAutoNum type="arabicPeriod"/>
+            </a:pPr>
+            <a:r>
+              <a:rPr lang="da-DK" dirty="0"/>
+              <a:t>Avoid NaNs on a log-scale</a:t>
+            </a:r>
+          </a:p>
+        </p:txBody>
+      </p:sp>
+      <p:sp>
+        <p:nvSpPr>
+          <p:cNvPr id="4" name="Date Placeholder 3">
+            <a:extLst>
+              <a:ext uri="{FF2B5EF4-FFF2-40B4-BE49-F238E27FC236}">
+                <a16:creationId xmlns:a16="http://schemas.microsoft.com/office/drawing/2014/main" id="{CBEB88E7-F1E6-4342-A48D-A0E93B5C6034}"/>
+              </a:ext>
+            </a:extLst>
+          </p:cNvPr>
+          <p:cNvSpPr>
+            <a:spLocks noGrp="1"/>
+          </p:cNvSpPr>
+          <p:nvPr>
+            <p:ph type="dt" sz="half" idx="10"/>
+          </p:nvPr>
+        </p:nvSpPr>
+        <p:spPr/>
+        <p:txBody>
+          <a:bodyPr/>
+          <a:lstStyle/>
+          <a:p>
+            <a:fld id="{019E29B9-5584-4737-9C98-1B926378C778}" type="datetime1">
+              <a:rPr lang="en-US" smtClean="0"/>
+              <a:t>1/6/2022</a:t>
+            </a:fld>
+            <a:endParaRPr lang="da-DK"/>
+          </a:p>
+        </p:txBody>
+      </p:sp>
+      <p:sp>
+        <p:nvSpPr>
+          <p:cNvPr id="5" name="Footer Placeholder 4">
+            <a:extLst>
+              <a:ext uri="{FF2B5EF4-FFF2-40B4-BE49-F238E27FC236}">
+                <a16:creationId xmlns:a16="http://schemas.microsoft.com/office/drawing/2014/main" id="{79A6F5F3-C9B1-4222-8493-240612E65DF9}"/>
+              </a:ext>
+            </a:extLst>
+          </p:cNvPr>
+          <p:cNvSpPr>
+            <a:spLocks noGrp="1"/>
+          </p:cNvSpPr>
+          <p:nvPr>
+            <p:ph type="ftr" sz="quarter" idx="11"/>
+          </p:nvPr>
+        </p:nvSpPr>
+        <p:spPr/>
+        <p:txBody>
+          <a:bodyPr/>
+          <a:lstStyle/>
+          <a:p>
+            <a:r>
+              <a:rPr lang="da-DK"/>
+              <a:t>Nicki Skafte Detlefsen</a:t>
+            </a:r>
+          </a:p>
+        </p:txBody>
+      </p:sp>
+      <p:sp>
+        <p:nvSpPr>
+          <p:cNvPr id="6" name="Slide Number Placeholder 5">
+            <a:extLst>
+              <a:ext uri="{FF2B5EF4-FFF2-40B4-BE49-F238E27FC236}">
+                <a16:creationId xmlns:a16="http://schemas.microsoft.com/office/drawing/2014/main" id="{B6722452-2EA3-415F-864E-829382FD6782}"/>
+              </a:ext>
+            </a:extLst>
+          </p:cNvPr>
+          <p:cNvSpPr>
+            <a:spLocks noGrp="1"/>
+          </p:cNvSpPr>
+          <p:nvPr>
+            <p:ph type="sldNum" sz="quarter" idx="12"/>
+          </p:nvPr>
+        </p:nvSpPr>
+        <p:spPr/>
+        <p:txBody>
+          <a:bodyPr/>
+          <a:lstStyle/>
+          <a:p>
+            <a:fld id="{F6FEDE24-D50C-481B-A7B4-8AF13899101A}" type="slidenum">
+              <a:rPr lang="da-DK" smtClean="0"/>
+              <a:t>13</a:t>
+            </a:fld>
+            <a:endParaRPr lang="da-DK"/>
+          </a:p>
+        </p:txBody>
+      </p:sp>
+    </p:spTree>
+    <p:extLst>
+      <p:ext uri="{BB962C8B-B14F-4D97-AF65-F5344CB8AC3E}">
+        <p14:creationId xmlns:p14="http://schemas.microsoft.com/office/powerpoint/2010/main" val="1729423439"/>
+      </p:ext>
+    </p:extLst>
+  </p:cSld>
+  <p:clrMapOvr>
+    <a:masterClrMapping/>
+  </p:clrMapOvr>
+</p:sld>
+</file>
+
+<file path=ppt/slides/slide14.xml><?xml version="1.0" encoding="utf-8"?>
+<p:sld xmlns:a="http://schemas.openxmlformats.org/drawingml/2006/main" xmlns:r="http://schemas.openxmlformats.org/officeDocument/2006/relationships" xmlns:p="http://schemas.openxmlformats.org/presentationml/2006/main">
+  <p:cSld>
+    <p:spTree>
+      <p:nvGrpSpPr>
+        <p:cNvPr id="1" name=""/>
+        <p:cNvGrpSpPr/>
+        <p:nvPr/>
+      </p:nvGrpSpPr>
+      <p:grpSpPr>
+        <a:xfrm>
+          <a:off x="0" y="0"/>
+          <a:ext cx="0" cy="0"/>
+          <a:chOff x="0" y="0"/>
+          <a:chExt cx="0" cy="0"/>
+        </a:xfrm>
+      </p:grpSpPr>
+      <p:sp>
+        <p:nvSpPr>
+          <p:cNvPr id="2" name="Title 1">
+            <a:extLst>
+              <a:ext uri="{FF2B5EF4-FFF2-40B4-BE49-F238E27FC236}">
+                <a16:creationId xmlns:a16="http://schemas.microsoft.com/office/drawing/2014/main" id="{D5201A82-D44A-40C7-8C8A-1CB9332EFC61}"/>
+              </a:ext>
+            </a:extLst>
+          </p:cNvPr>
+          <p:cNvSpPr>
+            <a:spLocks noGrp="1"/>
+          </p:cNvSpPr>
+          <p:nvPr>
+            <p:ph type="title"/>
+          </p:nvPr>
+        </p:nvSpPr>
+        <p:spPr/>
+        <p:txBody>
+          <a:bodyPr/>
+          <a:lstStyle/>
+          <a:p>
+            <a:r>
+              <a:rPr lang="da-DK" dirty="0"/>
+              <a:t>Meme of the day</a:t>
+            </a:r>
+          </a:p>
+        </p:txBody>
+      </p:sp>
+      <p:sp>
+        <p:nvSpPr>
+          <p:cNvPr id="4" name="Date Placeholder 3">
+            <a:extLst>
+              <a:ext uri="{FF2B5EF4-FFF2-40B4-BE49-F238E27FC236}">
+                <a16:creationId xmlns:a16="http://schemas.microsoft.com/office/drawing/2014/main" id="{FB34A976-5F6D-4941-8D04-34076761CD73}"/>
+              </a:ext>
+            </a:extLst>
+          </p:cNvPr>
+          <p:cNvSpPr>
+            <a:spLocks noGrp="1"/>
+          </p:cNvSpPr>
+          <p:nvPr>
+            <p:ph type="dt" sz="half" idx="10"/>
+          </p:nvPr>
+        </p:nvSpPr>
+        <p:spPr/>
+        <p:txBody>
+          <a:bodyPr/>
+          <a:lstStyle/>
+          <a:p>
+            <a:fld id="{019E29B9-5584-4737-9C98-1B926378C778}" type="datetime1">
+              <a:rPr lang="en-US" smtClean="0"/>
+              <a:t>1/6/2022</a:t>
+            </a:fld>
+            <a:endParaRPr lang="da-DK"/>
+          </a:p>
+        </p:txBody>
+      </p:sp>
+      <p:sp>
+        <p:nvSpPr>
+          <p:cNvPr id="5" name="Footer Placeholder 4">
+            <a:extLst>
+              <a:ext uri="{FF2B5EF4-FFF2-40B4-BE49-F238E27FC236}">
+                <a16:creationId xmlns:a16="http://schemas.microsoft.com/office/drawing/2014/main" id="{4FE8151F-E0B8-4728-B9B8-7B9017E24699}"/>
+              </a:ext>
+            </a:extLst>
+          </p:cNvPr>
+          <p:cNvSpPr>
+            <a:spLocks noGrp="1"/>
+          </p:cNvSpPr>
+          <p:nvPr>
+            <p:ph type="ftr" sz="quarter" idx="11"/>
+          </p:nvPr>
+        </p:nvSpPr>
+        <p:spPr/>
+        <p:txBody>
+          <a:bodyPr/>
+          <a:lstStyle/>
+          <a:p>
+            <a:r>
+              <a:rPr lang="da-DK"/>
+              <a:t>Nicki Skafte Detlefsen</a:t>
+            </a:r>
+          </a:p>
+        </p:txBody>
+      </p:sp>
+      <p:sp>
+        <p:nvSpPr>
+          <p:cNvPr id="6" name="Slide Number Placeholder 5">
+            <a:extLst>
+              <a:ext uri="{FF2B5EF4-FFF2-40B4-BE49-F238E27FC236}">
+                <a16:creationId xmlns:a16="http://schemas.microsoft.com/office/drawing/2014/main" id="{6EA96E43-4478-4131-8C1E-89CB05043B1B}"/>
+              </a:ext>
+            </a:extLst>
+          </p:cNvPr>
+          <p:cNvSpPr>
+            <a:spLocks noGrp="1"/>
+          </p:cNvSpPr>
+          <p:nvPr>
+            <p:ph type="sldNum" sz="quarter" idx="12"/>
+          </p:nvPr>
+        </p:nvSpPr>
+        <p:spPr/>
+        <p:txBody>
+          <a:bodyPr/>
+          <a:lstStyle/>
+          <a:p>
+            <a:fld id="{F6FEDE24-D50C-481B-A7B4-8AF13899101A}" type="slidenum">
+              <a:rPr lang="da-DK" smtClean="0"/>
+              <a:t>14</a:t>
             </a:fld>
             <a:endParaRPr lang="da-DK"/>
           </a:p>
@@ -5052,7 +5464,7 @@
           <a:p>
             <a:fld id="{019E29B9-5584-4737-9C98-1B926378C778}" type="datetime1">
               <a:rPr lang="en-US" smtClean="0"/>
-              <a:t>6/8/2021</a:t>
+              <a:t>1/6/2022</a:t>
             </a:fld>
             <a:endParaRPr lang="da-DK"/>
           </a:p>
@@ -5422,7 +5834,7 @@
           <a:p>
             <a:fld id="{019E29B9-5584-4737-9C98-1B926378C778}" type="datetime1">
               <a:rPr lang="en-US" smtClean="0"/>
-              <a:t>6/8/2021</a:t>
+              <a:t>1/6/2022</a:t>
             </a:fld>
             <a:endParaRPr lang="da-DK"/>
           </a:p>
@@ -6039,7 +6451,7 @@
           <a:p>
             <a:fld id="{019E29B9-5584-4737-9C98-1B926378C778}" type="datetime1">
               <a:rPr lang="en-US" smtClean="0"/>
-              <a:t>6/8/2021</a:t>
+              <a:t>1/6/2022</a:t>
             </a:fld>
             <a:endParaRPr lang="da-DK"/>
           </a:p>
@@ -6137,7 +6549,7 @@
           <p:cNvPr id="2" name="Title 1">
             <a:extLst>
               <a:ext uri="{FF2B5EF4-FFF2-40B4-BE49-F238E27FC236}">
-                <a16:creationId xmlns:a16="http://schemas.microsoft.com/office/drawing/2014/main" id="{EF85DEEC-6B81-423B-B79F-3F98F25FC663}"/>
+                <a16:creationId xmlns:a16="http://schemas.microsoft.com/office/drawing/2014/main" id="{1B61F892-9864-4B4B-9DDD-058B8AAC9C06}"/>
               </a:ext>
             </a:extLst>
           </p:cNvPr>
@@ -6148,29 +6560,140 @@
             <p:ph type="title"/>
           </p:nvPr>
         </p:nvSpPr>
+        <p:spPr/>
+        <p:txBody>
+          <a:bodyPr/>
+          <a:lstStyle/>
+          <a:p>
+            <a:r>
+              <a:rPr lang="da-DK" dirty="0"/>
+              <a:t>VS Code debugger (press F9)</a:t>
+            </a:r>
+            <a:endParaRPr lang="en-US" dirty="0"/>
+          </a:p>
+        </p:txBody>
+      </p:sp>
+      <p:pic>
+        <p:nvPicPr>
+          <p:cNvPr id="8" name="Content Placeholder 7">
+            <a:extLst>
+              <a:ext uri="{FF2B5EF4-FFF2-40B4-BE49-F238E27FC236}">
+                <a16:creationId xmlns:a16="http://schemas.microsoft.com/office/drawing/2014/main" id="{BC65C89E-57BA-465B-BE4E-F9ED64906DF7}"/>
+              </a:ext>
+            </a:extLst>
+          </p:cNvPr>
+          <p:cNvPicPr>
+            <a:picLocks noGrp="1" noChangeAspect="1"/>
+          </p:cNvPicPr>
+          <p:nvPr>
+            <p:ph idx="1"/>
+          </p:nvPr>
+        </p:nvPicPr>
+        <p:blipFill>
+          <a:blip r:embed="rId2"/>
+          <a:stretch>
+            <a:fillRect/>
+          </a:stretch>
+        </p:blipFill>
         <p:spPr>
           <a:xfrm>
-            <a:off x="838200" y="0"/>
-            <a:ext cx="9597705" cy="1325563"/>
+            <a:off x="729134" y="835791"/>
+            <a:ext cx="10515599" cy="5614827"/>
           </a:xfrm>
         </p:spPr>
-        <p:txBody>
-          <a:bodyPr/>
-          <a:lstStyle/>
-          <a:p>
-            <a:r>
-              <a:rPr lang="da-DK" dirty="0"/>
-              <a:t>When everything is running, but results are wrong</a:t>
-            </a:r>
-          </a:p>
-        </p:txBody>
-      </p:sp>
-      <p:sp>
-        <p:nvSpPr>
-          <p:cNvPr id="12" name="Rectangle 11">
-            <a:extLst>
-              <a:ext uri="{FF2B5EF4-FFF2-40B4-BE49-F238E27FC236}">
-                <a16:creationId xmlns:a16="http://schemas.microsoft.com/office/drawing/2014/main" id="{3790DEBC-DC38-4285-A00C-FE7A2FDB1135}"/>
+      </p:pic>
+      <p:sp>
+        <p:nvSpPr>
+          <p:cNvPr id="4" name="Date Placeholder 3">
+            <a:extLst>
+              <a:ext uri="{FF2B5EF4-FFF2-40B4-BE49-F238E27FC236}">
+                <a16:creationId xmlns:a16="http://schemas.microsoft.com/office/drawing/2014/main" id="{4A0BDD13-F029-4E57-9206-284B4A90341E}"/>
+              </a:ext>
+            </a:extLst>
+          </p:cNvPr>
+          <p:cNvSpPr>
+            <a:spLocks noGrp="1"/>
+          </p:cNvSpPr>
+          <p:nvPr>
+            <p:ph type="dt" sz="half" idx="10"/>
+          </p:nvPr>
+        </p:nvSpPr>
+        <p:spPr/>
+        <p:txBody>
+          <a:bodyPr/>
+          <a:lstStyle/>
+          <a:p>
+            <a:fld id="{019E29B9-5584-4737-9C98-1B926378C778}" type="datetime1">
+              <a:rPr lang="en-US" smtClean="0"/>
+              <a:t>1/6/2022</a:t>
+            </a:fld>
+            <a:endParaRPr lang="da-DK"/>
+          </a:p>
+        </p:txBody>
+      </p:sp>
+      <p:sp>
+        <p:nvSpPr>
+          <p:cNvPr id="5" name="Footer Placeholder 4">
+            <a:extLst>
+              <a:ext uri="{FF2B5EF4-FFF2-40B4-BE49-F238E27FC236}">
+                <a16:creationId xmlns:a16="http://schemas.microsoft.com/office/drawing/2014/main" id="{7E351ECA-6E15-4435-A30F-62B1E82F8F74}"/>
+              </a:ext>
+            </a:extLst>
+          </p:cNvPr>
+          <p:cNvSpPr>
+            <a:spLocks noGrp="1"/>
+          </p:cNvSpPr>
+          <p:nvPr>
+            <p:ph type="ftr" sz="quarter" idx="11"/>
+          </p:nvPr>
+        </p:nvSpPr>
+        <p:spPr/>
+        <p:txBody>
+          <a:bodyPr/>
+          <a:lstStyle/>
+          <a:p>
+            <a:r>
+              <a:rPr lang="da-DK"/>
+              <a:t>Nicki Skafte Detlefsen</a:t>
+            </a:r>
+          </a:p>
+        </p:txBody>
+      </p:sp>
+      <p:sp>
+        <p:nvSpPr>
+          <p:cNvPr id="6" name="Slide Number Placeholder 5">
+            <a:extLst>
+              <a:ext uri="{FF2B5EF4-FFF2-40B4-BE49-F238E27FC236}">
+                <a16:creationId xmlns:a16="http://schemas.microsoft.com/office/drawing/2014/main" id="{BEF3AFF8-0DB5-4355-873D-0EDC5E0677AA}"/>
+              </a:ext>
+            </a:extLst>
+          </p:cNvPr>
+          <p:cNvSpPr>
+            <a:spLocks noGrp="1"/>
+          </p:cNvSpPr>
+          <p:nvPr>
+            <p:ph type="sldNum" sz="quarter" idx="12"/>
+          </p:nvPr>
+        </p:nvSpPr>
+        <p:spPr/>
+        <p:txBody>
+          <a:bodyPr/>
+          <a:lstStyle/>
+          <a:p>
+            <a:fld id="{F6FEDE24-D50C-481B-A7B4-8AF13899101A}" type="slidenum">
+              <a:rPr lang="da-DK" smtClean="0"/>
+              <a:t>5</a:t>
+            </a:fld>
+            <a:endParaRPr lang="da-DK"/>
+          </a:p>
+        </p:txBody>
+      </p:sp>
+      <p:sp>
+        <p:nvSpPr>
+          <p:cNvPr id="9" name="Rectangle 8">
+            <a:extLst>
+              <a:ext uri="{FF2B5EF4-FFF2-40B4-BE49-F238E27FC236}">
+                <a16:creationId xmlns:a16="http://schemas.microsoft.com/office/drawing/2014/main" id="{6FA88452-E492-4809-A814-01D9EBD471F6}"/>
               </a:ext>
             </a:extLst>
           </p:cNvPr>
@@ -6179,24 +6702,30 @@
         </p:nvSpPr>
         <p:spPr>
           <a:xfrm>
-            <a:off x="3506513" y="5286037"/>
-            <a:ext cx="469085" cy="268448"/>
+            <a:off x="2662669" y="4147704"/>
+            <a:ext cx="664006" cy="820132"/>
           </a:xfrm>
           <a:prstGeom prst="rect">
             <a:avLst/>
           </a:prstGeom>
+          <a:noFill/>
+          <a:ln>
+            <a:solidFill>
+              <a:srgbClr val="FF0000"/>
+            </a:solidFill>
+          </a:ln>
         </p:spPr>
         <p:style>
           <a:lnRef idx="2">
-            <a:schemeClr val="accent4">
+            <a:schemeClr val="accent1">
               <a:shade val="50000"/>
             </a:schemeClr>
           </a:lnRef>
           <a:fillRef idx="1">
-            <a:schemeClr val="accent4"/>
+            <a:schemeClr val="accent1"/>
           </a:fillRef>
           <a:effectRef idx="0">
-            <a:schemeClr val="accent4"/>
+            <a:schemeClr val="accent1"/>
           </a:effectRef>
           <a:fontRef idx="minor">
             <a:schemeClr val="lt1"/>
@@ -6207,16 +6736,20 @@
           <a:lstStyle/>
           <a:p>
             <a:pPr algn="ctr"/>
-            <a:endParaRPr lang="da-DK"/>
-          </a:p>
-        </p:txBody>
-      </p:sp>
-      <p:sp>
-        <p:nvSpPr>
-          <p:cNvPr id="13" name="Rectangle 12">
-            <a:extLst>
-              <a:ext uri="{FF2B5EF4-FFF2-40B4-BE49-F238E27FC236}">
-                <a16:creationId xmlns:a16="http://schemas.microsoft.com/office/drawing/2014/main" id="{4A6A4549-236D-4C7D-AF36-DAC93BA77AB3}"/>
+            <a:r>
+              <a:rPr lang="da-DK" dirty="0"/>
+              <a:t> </a:t>
+            </a:r>
+            <a:endParaRPr lang="en-US" dirty="0"/>
+          </a:p>
+        </p:txBody>
+      </p:sp>
+      <p:sp>
+        <p:nvSpPr>
+          <p:cNvPr id="10" name="Rectangle 9">
+            <a:extLst>
+              <a:ext uri="{FF2B5EF4-FFF2-40B4-BE49-F238E27FC236}">
+                <a16:creationId xmlns:a16="http://schemas.microsoft.com/office/drawing/2014/main" id="{F7DF8917-C7C6-4297-8629-8D21C782FF47}"/>
               </a:ext>
             </a:extLst>
           </p:cNvPr>
@@ -6225,24 +6758,30 @@
         </p:nvSpPr>
         <p:spPr>
           <a:xfrm>
-            <a:off x="2787507" y="5622662"/>
-            <a:ext cx="469085" cy="268448"/>
+            <a:off x="2103166" y="1018904"/>
+            <a:ext cx="1478234" cy="156754"/>
           </a:xfrm>
           <a:prstGeom prst="rect">
             <a:avLst/>
           </a:prstGeom>
+          <a:noFill/>
+          <a:ln>
+            <a:solidFill>
+              <a:srgbClr val="FF0000"/>
+            </a:solidFill>
+          </a:ln>
         </p:spPr>
         <p:style>
           <a:lnRef idx="2">
-            <a:schemeClr val="accent4">
+            <a:schemeClr val="accent1">
               <a:shade val="50000"/>
             </a:schemeClr>
           </a:lnRef>
           <a:fillRef idx="1">
-            <a:schemeClr val="accent4"/>
+            <a:schemeClr val="accent1"/>
           </a:fillRef>
           <a:effectRef idx="0">
-            <a:schemeClr val="accent4"/>
+            <a:schemeClr val="accent1"/>
           </a:effectRef>
           <a:fontRef idx="minor">
             <a:schemeClr val="lt1"/>
@@ -6253,311 +6792,18 @@
           <a:lstStyle/>
           <a:p>
             <a:pPr algn="ctr"/>
-            <a:endParaRPr lang="da-DK"/>
-          </a:p>
-        </p:txBody>
-      </p:sp>
-      <p:sp>
-        <p:nvSpPr>
-          <p:cNvPr id="11" name="Rectangle 10">
-            <a:extLst>
-              <a:ext uri="{FF2B5EF4-FFF2-40B4-BE49-F238E27FC236}">
-                <a16:creationId xmlns:a16="http://schemas.microsoft.com/office/drawing/2014/main" id="{09F56925-917D-4503-B618-35A397E5A741}"/>
-              </a:ext>
-            </a:extLst>
-          </p:cNvPr>
-          <p:cNvSpPr/>
-          <p:nvPr/>
-        </p:nvSpPr>
-        <p:spPr>
-          <a:xfrm>
-            <a:off x="3875280" y="4954381"/>
-            <a:ext cx="806042" cy="268448"/>
-          </a:xfrm>
-          <a:prstGeom prst="rect">
-            <a:avLst/>
-          </a:prstGeom>
-        </p:spPr>
-        <p:style>
-          <a:lnRef idx="2">
-            <a:schemeClr val="accent4">
-              <a:shade val="50000"/>
-            </a:schemeClr>
-          </a:lnRef>
-          <a:fillRef idx="1">
-            <a:schemeClr val="accent4"/>
-          </a:fillRef>
-          <a:effectRef idx="0">
-            <a:schemeClr val="accent4"/>
-          </a:effectRef>
-          <a:fontRef idx="minor">
-            <a:schemeClr val="lt1"/>
-          </a:fontRef>
-        </p:style>
-        <p:txBody>
-          <a:bodyPr rtlCol="0" anchor="ctr"/>
-          <a:lstStyle/>
-          <a:p>
-            <a:pPr algn="ctr"/>
-            <a:endParaRPr lang="da-DK"/>
-          </a:p>
-        </p:txBody>
-      </p:sp>
-      <p:sp>
-        <p:nvSpPr>
-          <p:cNvPr id="3" name="Content Placeholder 2">
-            <a:extLst>
-              <a:ext uri="{FF2B5EF4-FFF2-40B4-BE49-F238E27FC236}">
-                <a16:creationId xmlns:a16="http://schemas.microsoft.com/office/drawing/2014/main" id="{81651A1D-4090-4D36-AA14-B76A1B6587B3}"/>
-              </a:ext>
-            </a:extLst>
-          </p:cNvPr>
-          <p:cNvSpPr>
-            <a:spLocks noGrp="1"/>
-          </p:cNvSpPr>
-          <p:nvPr>
-            <p:ph idx="1"/>
-          </p:nvPr>
-        </p:nvSpPr>
-        <p:spPr>
-          <a:xfrm>
-            <a:off x="838200" y="1325563"/>
-            <a:ext cx="10515600" cy="4833355"/>
-          </a:xfrm>
-        </p:spPr>
-        <p:txBody>
-          <a:bodyPr>
-            <a:normAutofit fontScale="92500" lnSpcReduction="10000"/>
-          </a:bodyPr>
-          <a:lstStyle/>
-          <a:p>
-            <a:pPr marL="0" indent="0">
-              <a:buNone/>
-            </a:pPr>
-            <a:r>
-              <a:rPr lang="da-DK" sz="3000" dirty="0"/>
-              <a:t>Debug the math!</a:t>
-            </a:r>
-          </a:p>
-          <a:p>
-            <a:pPr marL="0" indent="0">
-              <a:buNone/>
-            </a:pPr>
-            <a:r>
-              <a:rPr lang="en-US" dirty="0"/>
-              <a:t>Go through your code, and if you cannot do a one-to-one match between equations and particular lines of code, then rewrite the code (that will create good habits for you to follow).</a:t>
-            </a:r>
-            <a:endParaRPr lang="da-DK" dirty="0"/>
-          </a:p>
-          <a:p>
-            <a:pPr marL="0" indent="0">
-              <a:buNone/>
-            </a:pPr>
+            <a:r>
+              <a:rPr lang="da-DK" dirty="0"/>
+              <a:t> </a:t>
+            </a:r>
             <a:endParaRPr lang="en-US" dirty="0"/>
-          </a:p>
-          <a:p>
-            <a:pPr marL="0" indent="0">
-              <a:buNone/>
-            </a:pPr>
-            <a:r>
-              <a:rPr lang="en-US" sz="3000" dirty="0"/>
-              <a:t>Check dimensions!</a:t>
-            </a:r>
-          </a:p>
-          <a:p>
-            <a:pPr marL="0" indent="0">
-              <a:buNone/>
-            </a:pPr>
-            <a:r>
-              <a:rPr lang="en-US" dirty="0"/>
-              <a:t>The number one bug is that people get tensor dimensions wrong.</a:t>
-            </a:r>
-          </a:p>
-          <a:p>
-            <a:pPr marL="0" indent="0">
-              <a:buNone/>
-            </a:pPr>
-            <a:r>
-              <a:rPr lang="en-US" dirty="0"/>
-              <a:t>Solution: Annotate your code with comments about the shapes of all variables.</a:t>
-            </a:r>
-          </a:p>
-          <a:p>
-            <a:pPr marL="457200" lvl="1" indent="0">
-              <a:buNone/>
-            </a:pPr>
-            <a:r>
-              <a:rPr lang="en-US" dirty="0">
-                <a:latin typeface="+mj-lt"/>
-              </a:rPr>
-              <a:t>A = </a:t>
-            </a:r>
-            <a:r>
-              <a:rPr lang="en-US" dirty="0" err="1">
-                <a:latin typeface="+mj-lt"/>
-              </a:rPr>
-              <a:t>torch.randn</a:t>
-            </a:r>
-            <a:r>
-              <a:rPr lang="en-US" dirty="0">
-                <a:latin typeface="+mj-lt"/>
-              </a:rPr>
-              <a:t>(N, D)  # </a:t>
-            </a:r>
-            <a:r>
-              <a:rPr lang="en-US" dirty="0" err="1">
-                <a:latin typeface="+mj-lt"/>
-              </a:rPr>
-              <a:t>NxD</a:t>
-            </a:r>
-            <a:endParaRPr lang="en-US" dirty="0">
-              <a:latin typeface="+mj-lt"/>
-            </a:endParaRPr>
-          </a:p>
-          <a:p>
-            <a:pPr marL="457200" lvl="1" indent="0">
-              <a:buNone/>
-            </a:pPr>
-            <a:r>
-              <a:rPr lang="en-US" dirty="0">
-                <a:latin typeface="+mj-lt"/>
-              </a:rPr>
-              <a:t>x = </a:t>
-            </a:r>
-            <a:r>
-              <a:rPr lang="en-US" dirty="0" err="1">
-                <a:latin typeface="+mj-lt"/>
-              </a:rPr>
-              <a:t>torch.randn</a:t>
-            </a:r>
-            <a:r>
-              <a:rPr lang="en-US" dirty="0">
-                <a:latin typeface="+mj-lt"/>
-              </a:rPr>
-              <a:t>(D)  # D</a:t>
-            </a:r>
-          </a:p>
-          <a:p>
-            <a:pPr marL="457200" lvl="1" indent="0">
-              <a:buNone/>
-            </a:pPr>
-            <a:r>
-              <a:rPr lang="en-US" dirty="0">
-                <a:latin typeface="+mj-lt"/>
-              </a:rPr>
-              <a:t>Ax = A.mv(x) # N</a:t>
-            </a:r>
-          </a:p>
-          <a:p>
-            <a:pPr marL="0" indent="0">
-              <a:buNone/>
-            </a:pPr>
-            <a:endParaRPr lang="en-US" dirty="0"/>
-          </a:p>
-          <a:p>
-            <a:pPr marL="0" indent="0">
-              <a:buNone/>
-            </a:pPr>
-            <a:endParaRPr lang="en-US" dirty="0"/>
-          </a:p>
-          <a:p>
-            <a:pPr marL="0" indent="0">
-              <a:buNone/>
-            </a:pPr>
-            <a:endParaRPr lang="en-US" dirty="0"/>
-          </a:p>
-        </p:txBody>
-      </p:sp>
-      <p:sp>
-        <p:nvSpPr>
-          <p:cNvPr id="4" name="Date Placeholder 3">
-            <a:extLst>
-              <a:ext uri="{FF2B5EF4-FFF2-40B4-BE49-F238E27FC236}">
-                <a16:creationId xmlns:a16="http://schemas.microsoft.com/office/drawing/2014/main" id="{636A36A9-B9F5-49A4-A872-BFE9416036AE}"/>
-              </a:ext>
-            </a:extLst>
-          </p:cNvPr>
-          <p:cNvSpPr>
-            <a:spLocks noGrp="1"/>
-          </p:cNvSpPr>
-          <p:nvPr>
-            <p:ph type="dt" sz="half" idx="10"/>
-          </p:nvPr>
-        </p:nvSpPr>
-        <p:spPr/>
-        <p:txBody>
-          <a:bodyPr/>
-          <a:lstStyle/>
-          <a:p>
-            <a:fld id="{019E29B9-5584-4737-9C98-1B926378C778}" type="datetime1">
-              <a:rPr lang="en-US" smtClean="0"/>
-              <a:t>6/8/2021</a:t>
-            </a:fld>
-            <a:endParaRPr lang="da-DK"/>
-          </a:p>
-        </p:txBody>
-      </p:sp>
-      <p:sp>
-        <p:nvSpPr>
-          <p:cNvPr id="5" name="Footer Placeholder 4">
-            <a:extLst>
-              <a:ext uri="{FF2B5EF4-FFF2-40B4-BE49-F238E27FC236}">
-                <a16:creationId xmlns:a16="http://schemas.microsoft.com/office/drawing/2014/main" id="{7FFF69F9-6CFD-4ED7-952F-26DBFAF7524B}"/>
-              </a:ext>
-            </a:extLst>
-          </p:cNvPr>
-          <p:cNvSpPr>
-            <a:spLocks noGrp="1"/>
-          </p:cNvSpPr>
-          <p:nvPr>
-            <p:ph type="ftr" sz="quarter" idx="11"/>
-          </p:nvPr>
-        </p:nvSpPr>
-        <p:spPr/>
-        <p:txBody>
-          <a:bodyPr/>
-          <a:lstStyle/>
-          <a:p>
-            <a:r>
-              <a:rPr lang="da-DK"/>
-              <a:t>Nicki Skafte Detlefsen</a:t>
-            </a:r>
-          </a:p>
-        </p:txBody>
-      </p:sp>
-      <p:sp>
-        <p:nvSpPr>
-          <p:cNvPr id="6" name="Slide Number Placeholder 5">
-            <a:extLst>
-              <a:ext uri="{FF2B5EF4-FFF2-40B4-BE49-F238E27FC236}">
-                <a16:creationId xmlns:a16="http://schemas.microsoft.com/office/drawing/2014/main" id="{E7E26D30-D744-40BA-A89B-9B0C0C144D72}"/>
-              </a:ext>
-            </a:extLst>
-          </p:cNvPr>
-          <p:cNvSpPr>
-            <a:spLocks noGrp="1"/>
-          </p:cNvSpPr>
-          <p:nvPr>
-            <p:ph type="sldNum" sz="quarter" idx="12"/>
-          </p:nvPr>
-        </p:nvSpPr>
-        <p:spPr/>
-        <p:txBody>
-          <a:bodyPr/>
-          <a:lstStyle/>
-          <a:p>
-            <a:fld id="{F6FEDE24-D50C-481B-A7B4-8AF13899101A}" type="slidenum">
-              <a:rPr lang="da-DK" smtClean="0"/>
-              <a:t>5</a:t>
-            </a:fld>
-            <a:endParaRPr lang="da-DK"/>
           </a:p>
         </p:txBody>
       </p:sp>
     </p:spTree>
     <p:extLst>
       <p:ext uri="{BB962C8B-B14F-4D97-AF65-F5344CB8AC3E}">
-        <p14:creationId xmlns:p14="http://schemas.microsoft.com/office/powerpoint/2010/main" val="2852513645"/>
+        <p14:creationId xmlns:p14="http://schemas.microsoft.com/office/powerpoint/2010/main" val="2657318705"/>
       </p:ext>
     </p:extLst>
   </p:cSld>
@@ -6589,6 +6835,458 @@
           <p:cNvPr id="2" name="Title 1">
             <a:extLst>
               <a:ext uri="{FF2B5EF4-FFF2-40B4-BE49-F238E27FC236}">
+                <a16:creationId xmlns:a16="http://schemas.microsoft.com/office/drawing/2014/main" id="{EF85DEEC-6B81-423B-B79F-3F98F25FC663}"/>
+              </a:ext>
+            </a:extLst>
+          </p:cNvPr>
+          <p:cNvSpPr>
+            <a:spLocks noGrp="1"/>
+          </p:cNvSpPr>
+          <p:nvPr>
+            <p:ph type="title"/>
+          </p:nvPr>
+        </p:nvSpPr>
+        <p:spPr>
+          <a:xfrm>
+            <a:off x="838200" y="0"/>
+            <a:ext cx="9597705" cy="1325563"/>
+          </a:xfrm>
+        </p:spPr>
+        <p:txBody>
+          <a:bodyPr/>
+          <a:lstStyle/>
+          <a:p>
+            <a:r>
+              <a:rPr lang="da-DK" dirty="0"/>
+              <a:t>When everything is running, but results are wrong</a:t>
+            </a:r>
+          </a:p>
+        </p:txBody>
+      </p:sp>
+      <p:sp>
+        <p:nvSpPr>
+          <p:cNvPr id="12" name="Rectangle 11">
+            <a:extLst>
+              <a:ext uri="{FF2B5EF4-FFF2-40B4-BE49-F238E27FC236}">
+                <a16:creationId xmlns:a16="http://schemas.microsoft.com/office/drawing/2014/main" id="{3790DEBC-DC38-4285-A00C-FE7A2FDB1135}"/>
+              </a:ext>
+            </a:extLst>
+          </p:cNvPr>
+          <p:cNvSpPr/>
+          <p:nvPr/>
+        </p:nvSpPr>
+        <p:spPr>
+          <a:xfrm>
+            <a:off x="3506513" y="5286037"/>
+            <a:ext cx="469085" cy="268448"/>
+          </a:xfrm>
+          <a:prstGeom prst="rect">
+            <a:avLst/>
+          </a:prstGeom>
+        </p:spPr>
+        <p:style>
+          <a:lnRef idx="2">
+            <a:schemeClr val="accent4">
+              <a:shade val="50000"/>
+            </a:schemeClr>
+          </a:lnRef>
+          <a:fillRef idx="1">
+            <a:schemeClr val="accent4"/>
+          </a:fillRef>
+          <a:effectRef idx="0">
+            <a:schemeClr val="accent4"/>
+          </a:effectRef>
+          <a:fontRef idx="minor">
+            <a:schemeClr val="lt1"/>
+          </a:fontRef>
+        </p:style>
+        <p:txBody>
+          <a:bodyPr rtlCol="0" anchor="ctr"/>
+          <a:lstStyle/>
+          <a:p>
+            <a:pPr algn="ctr"/>
+            <a:endParaRPr lang="da-DK"/>
+          </a:p>
+        </p:txBody>
+      </p:sp>
+      <p:sp>
+        <p:nvSpPr>
+          <p:cNvPr id="13" name="Rectangle 12">
+            <a:extLst>
+              <a:ext uri="{FF2B5EF4-FFF2-40B4-BE49-F238E27FC236}">
+                <a16:creationId xmlns:a16="http://schemas.microsoft.com/office/drawing/2014/main" id="{4A6A4549-236D-4C7D-AF36-DAC93BA77AB3}"/>
+              </a:ext>
+            </a:extLst>
+          </p:cNvPr>
+          <p:cNvSpPr/>
+          <p:nvPr/>
+        </p:nvSpPr>
+        <p:spPr>
+          <a:xfrm>
+            <a:off x="2787507" y="5622662"/>
+            <a:ext cx="469085" cy="268448"/>
+          </a:xfrm>
+          <a:prstGeom prst="rect">
+            <a:avLst/>
+          </a:prstGeom>
+        </p:spPr>
+        <p:style>
+          <a:lnRef idx="2">
+            <a:schemeClr val="accent4">
+              <a:shade val="50000"/>
+            </a:schemeClr>
+          </a:lnRef>
+          <a:fillRef idx="1">
+            <a:schemeClr val="accent4"/>
+          </a:fillRef>
+          <a:effectRef idx="0">
+            <a:schemeClr val="accent4"/>
+          </a:effectRef>
+          <a:fontRef idx="minor">
+            <a:schemeClr val="lt1"/>
+          </a:fontRef>
+        </p:style>
+        <p:txBody>
+          <a:bodyPr rtlCol="0" anchor="ctr"/>
+          <a:lstStyle/>
+          <a:p>
+            <a:pPr algn="ctr"/>
+            <a:endParaRPr lang="da-DK"/>
+          </a:p>
+        </p:txBody>
+      </p:sp>
+      <p:sp>
+        <p:nvSpPr>
+          <p:cNvPr id="11" name="Rectangle 10">
+            <a:extLst>
+              <a:ext uri="{FF2B5EF4-FFF2-40B4-BE49-F238E27FC236}">
+                <a16:creationId xmlns:a16="http://schemas.microsoft.com/office/drawing/2014/main" id="{09F56925-917D-4503-B618-35A397E5A741}"/>
+              </a:ext>
+            </a:extLst>
+          </p:cNvPr>
+          <p:cNvSpPr/>
+          <p:nvPr/>
+        </p:nvSpPr>
+        <p:spPr>
+          <a:xfrm>
+            <a:off x="3875280" y="4954381"/>
+            <a:ext cx="806042" cy="268448"/>
+          </a:xfrm>
+          <a:prstGeom prst="rect">
+            <a:avLst/>
+          </a:prstGeom>
+        </p:spPr>
+        <p:style>
+          <a:lnRef idx="2">
+            <a:schemeClr val="accent4">
+              <a:shade val="50000"/>
+            </a:schemeClr>
+          </a:lnRef>
+          <a:fillRef idx="1">
+            <a:schemeClr val="accent4"/>
+          </a:fillRef>
+          <a:effectRef idx="0">
+            <a:schemeClr val="accent4"/>
+          </a:effectRef>
+          <a:fontRef idx="minor">
+            <a:schemeClr val="lt1"/>
+          </a:fontRef>
+        </p:style>
+        <p:txBody>
+          <a:bodyPr rtlCol="0" anchor="ctr"/>
+          <a:lstStyle/>
+          <a:p>
+            <a:pPr algn="ctr"/>
+            <a:endParaRPr lang="da-DK"/>
+          </a:p>
+        </p:txBody>
+      </p:sp>
+      <p:sp>
+        <p:nvSpPr>
+          <p:cNvPr id="3" name="Content Placeholder 2">
+            <a:extLst>
+              <a:ext uri="{FF2B5EF4-FFF2-40B4-BE49-F238E27FC236}">
+                <a16:creationId xmlns:a16="http://schemas.microsoft.com/office/drawing/2014/main" id="{81651A1D-4090-4D36-AA14-B76A1B6587B3}"/>
+              </a:ext>
+            </a:extLst>
+          </p:cNvPr>
+          <p:cNvSpPr>
+            <a:spLocks noGrp="1"/>
+          </p:cNvSpPr>
+          <p:nvPr>
+            <p:ph idx="1"/>
+          </p:nvPr>
+        </p:nvSpPr>
+        <p:spPr>
+          <a:xfrm>
+            <a:off x="838200" y="1325563"/>
+            <a:ext cx="10515600" cy="4833355"/>
+          </a:xfrm>
+        </p:spPr>
+        <p:txBody>
+          <a:bodyPr>
+            <a:normAutofit fontScale="92500" lnSpcReduction="10000"/>
+          </a:bodyPr>
+          <a:lstStyle/>
+          <a:p>
+            <a:pPr marL="0" indent="0">
+              <a:buNone/>
+            </a:pPr>
+            <a:r>
+              <a:rPr lang="da-DK" sz="3000" dirty="0"/>
+              <a:t>Debug the math!</a:t>
+            </a:r>
+          </a:p>
+          <a:p>
+            <a:pPr marL="0" indent="0">
+              <a:buNone/>
+            </a:pPr>
+            <a:r>
+              <a:rPr lang="en-US" dirty="0"/>
+              <a:t>Go through your code, and if you cannot do a one-to-one match between equations and particular lines of code, then rewrite the code (that will create good habits for you to follow).</a:t>
+            </a:r>
+            <a:endParaRPr lang="da-DK" dirty="0"/>
+          </a:p>
+          <a:p>
+            <a:pPr marL="0" indent="0">
+              <a:buNone/>
+            </a:pPr>
+            <a:endParaRPr lang="en-US" dirty="0"/>
+          </a:p>
+          <a:p>
+            <a:pPr marL="0" indent="0">
+              <a:buNone/>
+            </a:pPr>
+            <a:r>
+              <a:rPr lang="en-US" sz="3000" dirty="0"/>
+              <a:t>Check dimensions!</a:t>
+            </a:r>
+          </a:p>
+          <a:p>
+            <a:pPr marL="0" indent="0">
+              <a:buNone/>
+            </a:pPr>
+            <a:r>
+              <a:rPr lang="en-US" dirty="0"/>
+              <a:t>The number one bug is that people get tensor dimensions wrong.</a:t>
+            </a:r>
+          </a:p>
+          <a:p>
+            <a:pPr marL="0" indent="0">
+              <a:buNone/>
+            </a:pPr>
+            <a:r>
+              <a:rPr lang="en-US" dirty="0"/>
+              <a:t>Solution: Annotate your code with comments about the shapes of all variables.</a:t>
+            </a:r>
+          </a:p>
+          <a:p>
+            <a:pPr marL="457200" lvl="1" indent="0">
+              <a:buNone/>
+            </a:pPr>
+            <a:r>
+              <a:rPr lang="en-US" dirty="0">
+                <a:latin typeface="+mj-lt"/>
+              </a:rPr>
+              <a:t>A = </a:t>
+            </a:r>
+            <a:r>
+              <a:rPr lang="en-US" dirty="0" err="1">
+                <a:latin typeface="+mj-lt"/>
+              </a:rPr>
+              <a:t>torch.randn</a:t>
+            </a:r>
+            <a:r>
+              <a:rPr lang="en-US" dirty="0">
+                <a:latin typeface="+mj-lt"/>
+              </a:rPr>
+              <a:t>(N, D)  # </a:t>
+            </a:r>
+            <a:r>
+              <a:rPr lang="en-US" dirty="0" err="1">
+                <a:latin typeface="+mj-lt"/>
+              </a:rPr>
+              <a:t>NxD</a:t>
+            </a:r>
+            <a:endParaRPr lang="en-US" dirty="0">
+              <a:latin typeface="+mj-lt"/>
+            </a:endParaRPr>
+          </a:p>
+          <a:p>
+            <a:pPr marL="457200" lvl="1" indent="0">
+              <a:buNone/>
+            </a:pPr>
+            <a:r>
+              <a:rPr lang="en-US" dirty="0">
+                <a:latin typeface="+mj-lt"/>
+              </a:rPr>
+              <a:t>x = </a:t>
+            </a:r>
+            <a:r>
+              <a:rPr lang="en-US" dirty="0" err="1">
+                <a:latin typeface="+mj-lt"/>
+              </a:rPr>
+              <a:t>torch.randn</a:t>
+            </a:r>
+            <a:r>
+              <a:rPr lang="en-US" dirty="0">
+                <a:latin typeface="+mj-lt"/>
+              </a:rPr>
+              <a:t>(D)  # D</a:t>
+            </a:r>
+          </a:p>
+          <a:p>
+            <a:pPr marL="457200" lvl="1" indent="0">
+              <a:buNone/>
+            </a:pPr>
+            <a:r>
+              <a:rPr lang="en-US" dirty="0">
+                <a:latin typeface="+mj-lt"/>
+              </a:rPr>
+              <a:t>Ax = A.mv(x) # N</a:t>
+            </a:r>
+          </a:p>
+          <a:p>
+            <a:pPr marL="0" indent="0">
+              <a:buNone/>
+            </a:pPr>
+            <a:endParaRPr lang="en-US" dirty="0"/>
+          </a:p>
+          <a:p>
+            <a:pPr marL="0" indent="0">
+              <a:buNone/>
+            </a:pPr>
+            <a:endParaRPr lang="en-US" dirty="0"/>
+          </a:p>
+          <a:p>
+            <a:pPr marL="0" indent="0">
+              <a:buNone/>
+            </a:pPr>
+            <a:endParaRPr lang="en-US" dirty="0"/>
+          </a:p>
+        </p:txBody>
+      </p:sp>
+      <p:sp>
+        <p:nvSpPr>
+          <p:cNvPr id="4" name="Date Placeholder 3">
+            <a:extLst>
+              <a:ext uri="{FF2B5EF4-FFF2-40B4-BE49-F238E27FC236}">
+                <a16:creationId xmlns:a16="http://schemas.microsoft.com/office/drawing/2014/main" id="{636A36A9-B9F5-49A4-A872-BFE9416036AE}"/>
+              </a:ext>
+            </a:extLst>
+          </p:cNvPr>
+          <p:cNvSpPr>
+            <a:spLocks noGrp="1"/>
+          </p:cNvSpPr>
+          <p:nvPr>
+            <p:ph type="dt" sz="half" idx="10"/>
+          </p:nvPr>
+        </p:nvSpPr>
+        <p:spPr/>
+        <p:txBody>
+          <a:bodyPr/>
+          <a:lstStyle/>
+          <a:p>
+            <a:fld id="{019E29B9-5584-4737-9C98-1B926378C778}" type="datetime1">
+              <a:rPr lang="en-US" smtClean="0"/>
+              <a:t>1/6/2022</a:t>
+            </a:fld>
+            <a:endParaRPr lang="da-DK"/>
+          </a:p>
+        </p:txBody>
+      </p:sp>
+      <p:sp>
+        <p:nvSpPr>
+          <p:cNvPr id="5" name="Footer Placeholder 4">
+            <a:extLst>
+              <a:ext uri="{FF2B5EF4-FFF2-40B4-BE49-F238E27FC236}">
+                <a16:creationId xmlns:a16="http://schemas.microsoft.com/office/drawing/2014/main" id="{7FFF69F9-6CFD-4ED7-952F-26DBFAF7524B}"/>
+              </a:ext>
+            </a:extLst>
+          </p:cNvPr>
+          <p:cNvSpPr>
+            <a:spLocks noGrp="1"/>
+          </p:cNvSpPr>
+          <p:nvPr>
+            <p:ph type="ftr" sz="quarter" idx="11"/>
+          </p:nvPr>
+        </p:nvSpPr>
+        <p:spPr/>
+        <p:txBody>
+          <a:bodyPr/>
+          <a:lstStyle/>
+          <a:p>
+            <a:r>
+              <a:rPr lang="da-DK"/>
+              <a:t>Nicki Skafte Detlefsen</a:t>
+            </a:r>
+          </a:p>
+        </p:txBody>
+      </p:sp>
+      <p:sp>
+        <p:nvSpPr>
+          <p:cNvPr id="6" name="Slide Number Placeholder 5">
+            <a:extLst>
+              <a:ext uri="{FF2B5EF4-FFF2-40B4-BE49-F238E27FC236}">
+                <a16:creationId xmlns:a16="http://schemas.microsoft.com/office/drawing/2014/main" id="{E7E26D30-D744-40BA-A89B-9B0C0C144D72}"/>
+              </a:ext>
+            </a:extLst>
+          </p:cNvPr>
+          <p:cNvSpPr>
+            <a:spLocks noGrp="1"/>
+          </p:cNvSpPr>
+          <p:nvPr>
+            <p:ph type="sldNum" sz="quarter" idx="12"/>
+          </p:nvPr>
+        </p:nvSpPr>
+        <p:spPr/>
+        <p:txBody>
+          <a:bodyPr/>
+          <a:lstStyle/>
+          <a:p>
+            <a:fld id="{F6FEDE24-D50C-481B-A7B4-8AF13899101A}" type="slidenum">
+              <a:rPr lang="da-DK" smtClean="0"/>
+              <a:t>6</a:t>
+            </a:fld>
+            <a:endParaRPr lang="da-DK"/>
+          </a:p>
+        </p:txBody>
+      </p:sp>
+    </p:spTree>
+    <p:extLst>
+      <p:ext uri="{BB962C8B-B14F-4D97-AF65-F5344CB8AC3E}">
+        <p14:creationId xmlns:p14="http://schemas.microsoft.com/office/powerpoint/2010/main" val="2852513645"/>
+      </p:ext>
+    </p:extLst>
+  </p:cSld>
+  <p:clrMapOvr>
+    <a:masterClrMapping/>
+  </p:clrMapOvr>
+</p:sld>
+</file>
+
+<file path=ppt/slides/slide7.xml><?xml version="1.0" encoding="utf-8"?>
+<p:sld xmlns:a="http://schemas.openxmlformats.org/drawingml/2006/main" xmlns:r="http://schemas.openxmlformats.org/officeDocument/2006/relationships" xmlns:p="http://schemas.openxmlformats.org/presentationml/2006/main">
+  <p:cSld>
+    <p:spTree>
+      <p:nvGrpSpPr>
+        <p:cNvPr id="1" name=""/>
+        <p:cNvGrpSpPr/>
+        <p:nvPr/>
+      </p:nvGrpSpPr>
+      <p:grpSpPr>
+        <a:xfrm>
+          <a:off x="0" y="0"/>
+          <a:ext cx="0" cy="0"/>
+          <a:chOff x="0" y="0"/>
+          <a:chExt cx="0" cy="0"/>
+        </a:xfrm>
+      </p:grpSpPr>
+      <p:sp>
+        <p:nvSpPr>
+          <p:cNvPr id="2" name="Title 1">
+            <a:extLst>
+              <a:ext uri="{FF2B5EF4-FFF2-40B4-BE49-F238E27FC236}">
                 <a16:creationId xmlns:a16="http://schemas.microsoft.com/office/drawing/2014/main" id="{6F78BA54-5A46-417A-8AD2-E0A83D967C46}"/>
               </a:ext>
             </a:extLst>
@@ -6752,7 +7450,7 @@
           <a:p>
             <a:fld id="{019E29B9-5584-4737-9C98-1B926378C778}" type="datetime1">
               <a:rPr lang="en-US" smtClean="0"/>
-              <a:t>6/8/2021</a:t>
+              <a:t>1/6/2022</a:t>
             </a:fld>
             <a:endParaRPr lang="da-DK"/>
           </a:p>
@@ -6809,7 +7507,7 @@
           <a:p>
             <a:fld id="{F6FEDE24-D50C-481B-A7B4-8AF13899101A}" type="slidenum">
               <a:rPr lang="da-DK" smtClean="0"/>
-              <a:t>6</a:t>
+              <a:t>7</a:t>
             </a:fld>
             <a:endParaRPr lang="da-DK"/>
           </a:p>
@@ -6864,272 +7562,6 @@
 </p:sld>
 </file>
 
-<file path=ppt/slides/slide7.xml><?xml version="1.0" encoding="utf-8"?>
-<p:sld xmlns:a="http://schemas.openxmlformats.org/drawingml/2006/main" xmlns:r="http://schemas.openxmlformats.org/officeDocument/2006/relationships" xmlns:p="http://schemas.openxmlformats.org/presentationml/2006/main">
-  <p:cSld>
-    <p:spTree>
-      <p:nvGrpSpPr>
-        <p:cNvPr id="1" name=""/>
-        <p:cNvGrpSpPr/>
-        <p:nvPr/>
-      </p:nvGrpSpPr>
-      <p:grpSpPr>
-        <a:xfrm>
-          <a:off x="0" y="0"/>
-          <a:ext cx="0" cy="0"/>
-          <a:chOff x="0" y="0"/>
-          <a:chExt cx="0" cy="0"/>
-        </a:xfrm>
-      </p:grpSpPr>
-      <p:sp>
-        <p:nvSpPr>
-          <p:cNvPr id="2" name="Title 1">
-            <a:extLst>
-              <a:ext uri="{FF2B5EF4-FFF2-40B4-BE49-F238E27FC236}">
-                <a16:creationId xmlns:a16="http://schemas.microsoft.com/office/drawing/2014/main" id="{D9AF410A-0D89-4B7B-A3E1-5D3CC179C0AB}"/>
-              </a:ext>
-            </a:extLst>
-          </p:cNvPr>
-          <p:cNvSpPr>
-            <a:spLocks noGrp="1"/>
-          </p:cNvSpPr>
-          <p:nvPr>
-            <p:ph type="title"/>
-          </p:nvPr>
-        </p:nvSpPr>
-        <p:spPr/>
-        <p:txBody>
-          <a:bodyPr/>
-          <a:lstStyle/>
-          <a:p>
-            <a:r>
-              <a:rPr lang="da-DK" dirty="0"/>
-              <a:t>Software can help</a:t>
-            </a:r>
-          </a:p>
-        </p:txBody>
-      </p:sp>
-      <p:sp>
-        <p:nvSpPr>
-          <p:cNvPr id="3" name="Content Placeholder 2">
-            <a:extLst>
-              <a:ext uri="{FF2B5EF4-FFF2-40B4-BE49-F238E27FC236}">
-                <a16:creationId xmlns:a16="http://schemas.microsoft.com/office/drawing/2014/main" id="{C2F9ED98-B3F7-4A7B-A55D-077D5C80830C}"/>
-              </a:ext>
-            </a:extLst>
-          </p:cNvPr>
-          <p:cNvSpPr>
-            <a:spLocks noGrp="1"/>
-          </p:cNvSpPr>
-          <p:nvPr>
-            <p:ph idx="1"/>
-          </p:nvPr>
-        </p:nvSpPr>
-        <p:spPr/>
-        <p:txBody>
-          <a:bodyPr>
-            <a:normAutofit/>
-          </a:bodyPr>
-          <a:lstStyle/>
-          <a:p>
-            <a:pPr marL="0" indent="0">
-              <a:buNone/>
-            </a:pPr>
-            <a:r>
-              <a:rPr lang="en-US" dirty="0"/>
-              <a:t>You can go further and use </a:t>
-            </a:r>
-            <a:r>
-              <a:rPr lang="en-US" dirty="0" err="1"/>
-              <a:t>ShapeGuard</a:t>
-            </a:r>
-            <a:r>
-              <a:rPr lang="en-US" dirty="0"/>
-              <a:t>:</a:t>
-            </a:r>
-          </a:p>
-          <a:p>
-            <a:pPr marL="457200" lvl="1" indent="0">
-              <a:buNone/>
-            </a:pPr>
-            <a:r>
-              <a:rPr lang="en-US" dirty="0">
-                <a:latin typeface="+mj-lt"/>
-              </a:rPr>
-              <a:t>pip install torch-</a:t>
-            </a:r>
-            <a:r>
-              <a:rPr lang="en-US" dirty="0" err="1">
-                <a:latin typeface="+mj-lt"/>
-              </a:rPr>
-              <a:t>shapeguard</a:t>
-            </a:r>
-            <a:endParaRPr lang="en-US" dirty="0">
-              <a:latin typeface="+mj-lt"/>
-            </a:endParaRPr>
-          </a:p>
-          <a:p>
-            <a:pPr marL="0" indent="0">
-              <a:buNone/>
-            </a:pPr>
-            <a:r>
-              <a:rPr lang="en-US" dirty="0"/>
-              <a:t>Then you can do</a:t>
-            </a:r>
-          </a:p>
-          <a:p>
-            <a:pPr marL="457200" lvl="1" indent="0">
-              <a:buNone/>
-            </a:pPr>
-            <a:r>
-              <a:rPr lang="en-US" dirty="0">
-                <a:latin typeface="+mj-lt"/>
-              </a:rPr>
-              <a:t>A.sg(N, D)</a:t>
-            </a:r>
-          </a:p>
-          <a:p>
-            <a:pPr marL="457200" lvl="1" indent="0">
-              <a:buNone/>
-            </a:pPr>
-            <a:r>
-              <a:rPr lang="en-US" dirty="0">
-                <a:latin typeface="+mj-lt"/>
-              </a:rPr>
-              <a:t>x.sg(D)</a:t>
-            </a:r>
-          </a:p>
-          <a:p>
-            <a:pPr marL="457200" lvl="1" indent="0">
-              <a:buNone/>
-            </a:pPr>
-            <a:r>
-              <a:rPr lang="en-US" dirty="0">
-                <a:latin typeface="+mj-lt"/>
-              </a:rPr>
-              <a:t>Ax.sg(N)</a:t>
-            </a:r>
-          </a:p>
-          <a:p>
-            <a:pPr marL="0" indent="0">
-              <a:buNone/>
-            </a:pPr>
-            <a:r>
-              <a:rPr lang="en-US" dirty="0"/>
-              <a:t>and your code will fail if dimensions aren't right. Quite neat!</a:t>
-            </a:r>
-          </a:p>
-          <a:p>
-            <a:pPr marL="0" indent="0">
-              <a:buNone/>
-            </a:pPr>
-            <a:r>
-              <a:rPr lang="en-US" dirty="0"/>
-              <a:t>See details here: https://github.com/rasmusbergpalm/shapeguard</a:t>
-            </a:r>
-            <a:endParaRPr lang="da-DK" dirty="0"/>
-          </a:p>
-        </p:txBody>
-      </p:sp>
-      <p:sp>
-        <p:nvSpPr>
-          <p:cNvPr id="4" name="Date Placeholder 3">
-            <a:extLst>
-              <a:ext uri="{FF2B5EF4-FFF2-40B4-BE49-F238E27FC236}">
-                <a16:creationId xmlns:a16="http://schemas.microsoft.com/office/drawing/2014/main" id="{60C2BA9C-E872-47A9-ADB9-B803E101560D}"/>
-              </a:ext>
-            </a:extLst>
-          </p:cNvPr>
-          <p:cNvSpPr>
-            <a:spLocks noGrp="1"/>
-          </p:cNvSpPr>
-          <p:nvPr>
-            <p:ph type="dt" sz="half" idx="10"/>
-          </p:nvPr>
-        </p:nvSpPr>
-        <p:spPr/>
-        <p:txBody>
-          <a:bodyPr/>
-          <a:lstStyle/>
-          <a:p>
-            <a:fld id="{019E29B9-5584-4737-9C98-1B926378C778}" type="datetime1">
-              <a:rPr lang="en-US" smtClean="0"/>
-              <a:t>6/8/2021</a:t>
-            </a:fld>
-            <a:endParaRPr lang="da-DK"/>
-          </a:p>
-        </p:txBody>
-      </p:sp>
-      <p:sp>
-        <p:nvSpPr>
-          <p:cNvPr id="5" name="Footer Placeholder 4">
-            <a:extLst>
-              <a:ext uri="{FF2B5EF4-FFF2-40B4-BE49-F238E27FC236}">
-                <a16:creationId xmlns:a16="http://schemas.microsoft.com/office/drawing/2014/main" id="{9EEE5CAB-5B76-49A4-84C1-4ABEC10265A5}"/>
-              </a:ext>
-            </a:extLst>
-          </p:cNvPr>
-          <p:cNvSpPr>
-            <a:spLocks noGrp="1"/>
-          </p:cNvSpPr>
-          <p:nvPr>
-            <p:ph type="ftr" sz="quarter" idx="11"/>
-          </p:nvPr>
-        </p:nvSpPr>
-        <p:spPr/>
-        <p:txBody>
-          <a:bodyPr/>
-          <a:lstStyle/>
-          <a:p>
-            <a:r>
-              <a:rPr lang="da-DK"/>
-              <a:t>Nicki Skafte Detlefsen</a:t>
-            </a:r>
-          </a:p>
-        </p:txBody>
-      </p:sp>
-      <p:sp>
-        <p:nvSpPr>
-          <p:cNvPr id="6" name="Slide Number Placeholder 5">
-            <a:extLst>
-              <a:ext uri="{FF2B5EF4-FFF2-40B4-BE49-F238E27FC236}">
-                <a16:creationId xmlns:a16="http://schemas.microsoft.com/office/drawing/2014/main" id="{075FFD71-BEB4-4952-81CD-29E1ACD8CBEE}"/>
-              </a:ext>
-            </a:extLst>
-          </p:cNvPr>
-          <p:cNvSpPr>
-            <a:spLocks noGrp="1"/>
-          </p:cNvSpPr>
-          <p:nvPr>
-            <p:ph type="sldNum" sz="quarter" idx="12"/>
-          </p:nvPr>
-        </p:nvSpPr>
-        <p:spPr/>
-        <p:txBody>
-          <a:bodyPr/>
-          <a:lstStyle/>
-          <a:p>
-            <a:fld id="{F6FEDE24-D50C-481B-A7B4-8AF13899101A}" type="slidenum">
-              <a:rPr lang="da-DK" smtClean="0"/>
-              <a:t>7</a:t>
-            </a:fld>
-            <a:endParaRPr lang="da-DK"/>
-          </a:p>
-        </p:txBody>
-      </p:sp>
-    </p:spTree>
-    <p:extLst>
-      <p:ext uri="{BB962C8B-B14F-4D97-AF65-F5344CB8AC3E}">
-        <p14:creationId xmlns:p14="http://schemas.microsoft.com/office/powerpoint/2010/main" val="1672389204"/>
-      </p:ext>
-    </p:extLst>
-  </p:cSld>
-  <p:clrMapOvr>
-    <a:masterClrMapping/>
-  </p:clrMapOvr>
-</p:sld>
-</file>
-
 <file path=ppt/slides/slide8.xml><?xml version="1.0" encoding="utf-8"?>
 <p:sld xmlns:a="http://schemas.openxmlformats.org/drawingml/2006/main" xmlns:r="http://schemas.openxmlformats.org/officeDocument/2006/relationships" xmlns:p="http://schemas.openxmlformats.org/presentationml/2006/main">
   <p:cSld>
@@ -7152,7 +7584,7 @@
           <p:cNvPr id="2" name="Title 1">
             <a:extLst>
               <a:ext uri="{FF2B5EF4-FFF2-40B4-BE49-F238E27FC236}">
-                <a16:creationId xmlns:a16="http://schemas.microsoft.com/office/drawing/2014/main" id="{DF7AE4F8-3AA8-496E-A1BF-86CE95A386E3}"/>
+                <a16:creationId xmlns:a16="http://schemas.microsoft.com/office/drawing/2014/main" id="{D9AF410A-0D89-4B7B-A3E1-5D3CC179C0AB}"/>
               </a:ext>
             </a:extLst>
           </p:cNvPr>
@@ -7170,7 +7602,7 @@
           <a:p>
             <a:r>
               <a:rPr lang="da-DK" dirty="0"/>
-              <a:t>Reduce Model Complexity</a:t>
+              <a:t>Software can help</a:t>
             </a:r>
           </a:p>
         </p:txBody>
@@ -7180,7 +7612,7 @@
           <p:cNvPr id="3" name="Content Placeholder 2">
             <a:extLst>
               <a:ext uri="{FF2B5EF4-FFF2-40B4-BE49-F238E27FC236}">
-                <a16:creationId xmlns:a16="http://schemas.microsoft.com/office/drawing/2014/main" id="{AA989B6A-E403-4436-8640-990668114C17}"/>
+                <a16:creationId xmlns:a16="http://schemas.microsoft.com/office/drawing/2014/main" id="{C2F9ED98-B3F7-4A7B-A55D-077D5C80830C}"/>
               </a:ext>
             </a:extLst>
           </p:cNvPr>
@@ -7203,11 +7635,36 @@
             </a:pPr>
             <a:r>
               <a:rPr lang="en-US" dirty="0"/>
-              <a:t>When things don't work, build a simpler model (ideally start with a simple model)</a:t>
-            </a:r>
-          </a:p>
-          <a:p>
-            <a:endParaRPr lang="en-US" dirty="0"/>
+              <a:t>You can go further and use </a:t>
+            </a:r>
+            <a:r>
+              <a:rPr lang="en-US" dirty="0" err="1"/>
+              <a:t>ShapeGuard</a:t>
+            </a:r>
+            <a:r>
+              <a:rPr lang="en-US" dirty="0"/>
+              <a:t>:</a:t>
+            </a:r>
+          </a:p>
+          <a:p>
+            <a:pPr marL="457200" lvl="1" indent="0">
+              <a:buNone/>
+            </a:pPr>
+            <a:r>
+              <a:rPr lang="en-US" dirty="0">
+                <a:latin typeface="+mj-lt"/>
+              </a:rPr>
+              <a:t>pip install torch-</a:t>
+            </a:r>
+            <a:r>
+              <a:rPr lang="en-US" dirty="0" err="1">
+                <a:latin typeface="+mj-lt"/>
+              </a:rPr>
+              <a:t>shapeguard</a:t>
+            </a:r>
+            <a:endParaRPr lang="en-US" dirty="0">
+              <a:latin typeface="+mj-lt"/>
+            </a:endParaRPr>
           </a:p>
           <a:p>
             <a:pPr marL="0" indent="0">
@@ -7215,7 +7672,58 @@
             </a:pPr>
             <a:r>
               <a:rPr lang="en-US" dirty="0"/>
-              <a:t>If you can, start with linear model. Here you often understand all aspects of the model. For instance, an autoencoder with a linear encoder and decoder should give you the same latent codes as PCA. Always, start with the settings where you can verify if your implementation does the right thing in non-trivial models, we don't know what the model should be doing, so debugging is difficult...</a:t>
+              <a:t>Then you can do</a:t>
+            </a:r>
+          </a:p>
+          <a:p>
+            <a:pPr marL="457200" lvl="1" indent="0">
+              <a:buNone/>
+            </a:pPr>
+            <a:r>
+              <a:rPr lang="en-US" dirty="0">
+                <a:latin typeface="+mj-lt"/>
+              </a:rPr>
+              <a:t>A.sg(N, D)</a:t>
+            </a:r>
+          </a:p>
+          <a:p>
+            <a:pPr marL="457200" lvl="1" indent="0">
+              <a:buNone/>
+            </a:pPr>
+            <a:r>
+              <a:rPr lang="en-US" dirty="0">
+                <a:latin typeface="+mj-lt"/>
+              </a:rPr>
+              <a:t>x.sg(D)</a:t>
+            </a:r>
+          </a:p>
+          <a:p>
+            <a:pPr marL="457200" lvl="1" indent="0">
+              <a:buNone/>
+            </a:pPr>
+            <a:r>
+              <a:rPr lang="en-US" dirty="0">
+                <a:latin typeface="+mj-lt"/>
+              </a:rPr>
+              <a:t>Ax.sg(N)</a:t>
+            </a:r>
+          </a:p>
+          <a:p>
+            <a:pPr marL="0" indent="0">
+              <a:buNone/>
+            </a:pPr>
+            <a:r>
+              <a:rPr lang="en-US" dirty="0"/>
+              <a:t>and your code will fail if dimensions aren't right. Quite neat!</a:t>
+            </a:r>
+          </a:p>
+          <a:p>
+            <a:pPr marL="0" indent="0">
+              <a:buNone/>
+            </a:pPr>
+            <a:r>
+              <a:rPr lang="en-US" dirty="0"/>
+              <a:t>See details here: https://github.com/rasmusbergpalm/shapeguard</a:t>
             </a:r>
             <a:endParaRPr lang="da-DK" dirty="0"/>
           </a:p>
@@ -7226,7 +7734,7 @@
           <p:cNvPr id="4" name="Date Placeholder 3">
             <a:extLst>
               <a:ext uri="{FF2B5EF4-FFF2-40B4-BE49-F238E27FC236}">
-                <a16:creationId xmlns:a16="http://schemas.microsoft.com/office/drawing/2014/main" id="{CDF76A0D-BB5F-4019-B564-1C7DF302168A}"/>
+                <a16:creationId xmlns:a16="http://schemas.microsoft.com/office/drawing/2014/main" id="{60C2BA9C-E872-47A9-ADB9-B803E101560D}"/>
               </a:ext>
             </a:extLst>
           </p:cNvPr>
@@ -7244,7 +7752,7 @@
           <a:p>
             <a:fld id="{019E29B9-5584-4737-9C98-1B926378C778}" type="datetime1">
               <a:rPr lang="en-US" smtClean="0"/>
-              <a:t>6/8/2021</a:t>
+              <a:t>1/6/2022</a:t>
             </a:fld>
             <a:endParaRPr lang="da-DK"/>
           </a:p>
@@ -7255,7 +7763,7 @@
           <p:cNvPr id="5" name="Footer Placeholder 4">
             <a:extLst>
               <a:ext uri="{FF2B5EF4-FFF2-40B4-BE49-F238E27FC236}">
-                <a16:creationId xmlns:a16="http://schemas.microsoft.com/office/drawing/2014/main" id="{AAF45CBC-B834-4808-A28D-D1F96BC719D2}"/>
+                <a16:creationId xmlns:a16="http://schemas.microsoft.com/office/drawing/2014/main" id="{9EEE5CAB-5B76-49A4-84C1-4ABEC10265A5}"/>
               </a:ext>
             </a:extLst>
           </p:cNvPr>
@@ -7283,7 +7791,7 @@
           <p:cNvPr id="6" name="Slide Number Placeholder 5">
             <a:extLst>
               <a:ext uri="{FF2B5EF4-FFF2-40B4-BE49-F238E27FC236}">
-                <a16:creationId xmlns:a16="http://schemas.microsoft.com/office/drawing/2014/main" id="{91A81DAF-9206-4350-A7D1-6610918ED812}"/>
+                <a16:creationId xmlns:a16="http://schemas.microsoft.com/office/drawing/2014/main" id="{075FFD71-BEB4-4952-81CD-29E1ACD8CBEE}"/>
               </a:ext>
             </a:extLst>
           </p:cNvPr>
@@ -7310,7 +7818,7 @@
     </p:spTree>
     <p:extLst>
       <p:ext uri="{BB962C8B-B14F-4D97-AF65-F5344CB8AC3E}">
-        <p14:creationId xmlns:p14="http://schemas.microsoft.com/office/powerpoint/2010/main" val="2127134423"/>
+        <p14:creationId xmlns:p14="http://schemas.microsoft.com/office/powerpoint/2010/main" val="1672389204"/>
       </p:ext>
     </p:extLst>
   </p:cSld>
@@ -7342,7 +7850,7 @@
           <p:cNvPr id="2" name="Title 1">
             <a:extLst>
               <a:ext uri="{FF2B5EF4-FFF2-40B4-BE49-F238E27FC236}">
-                <a16:creationId xmlns:a16="http://schemas.microsoft.com/office/drawing/2014/main" id="{EB0C4533-4333-4B2B-88AA-F08F654F2B71}"/>
+                <a16:creationId xmlns:a16="http://schemas.microsoft.com/office/drawing/2014/main" id="{DF7AE4F8-3AA8-496E-A1BF-86CE95A386E3}"/>
               </a:ext>
             </a:extLst>
           </p:cNvPr>
@@ -7360,7 +7868,7 @@
           <a:p>
             <a:r>
               <a:rPr lang="da-DK" dirty="0"/>
-              <a:t>Plotting</a:t>
+              <a:t>Reduce Model Complexity</a:t>
             </a:r>
           </a:p>
         </p:txBody>
@@ -7370,7 +7878,7 @@
           <p:cNvPr id="3" name="Content Placeholder 2">
             <a:extLst>
               <a:ext uri="{FF2B5EF4-FFF2-40B4-BE49-F238E27FC236}">
-                <a16:creationId xmlns:a16="http://schemas.microsoft.com/office/drawing/2014/main" id="{E856B3DE-5002-4463-B044-EE9696131DC2}"/>
+                <a16:creationId xmlns:a16="http://schemas.microsoft.com/office/drawing/2014/main" id="{AA989B6A-E403-4436-8640-990668114C17}"/>
               </a:ext>
             </a:extLst>
           </p:cNvPr>
@@ -7383,50 +7891,29 @@
         </p:nvSpPr>
         <p:spPr/>
         <p:txBody>
-          <a:bodyPr/>
-          <a:lstStyle/>
-          <a:p>
-            <a:pPr marL="514350" indent="-514350">
-              <a:buFont typeface="+mj-lt"/>
-              <a:buAutoNum type="arabicPeriod"/>
+          <a:bodyPr>
+            <a:normAutofit/>
+          </a:bodyPr>
+          <a:lstStyle/>
+          <a:p>
+            <a:pPr marL="0" indent="0">
+              <a:buNone/>
             </a:pPr>
             <a:r>
               <a:rPr lang="en-US" dirty="0"/>
-              <a:t>Can you reduce data dimension (synthetically) ? That might allow you to plot stuff.</a:t>
-            </a:r>
-          </a:p>
-          <a:p>
-            <a:pPr marL="514350" indent="-514350">
-              <a:buFont typeface="+mj-lt"/>
-              <a:buAutoNum type="arabicPeriod"/>
+              <a:t>When things don't work, build a simpler model (ideally start with a simple model)</a:t>
+            </a:r>
+          </a:p>
+          <a:p>
+            <a:endParaRPr lang="en-US" dirty="0"/>
+          </a:p>
+          <a:p>
+            <a:pPr marL="0" indent="0">
+              <a:buNone/>
             </a:pPr>
-            <a:endParaRPr lang="en-US" dirty="0"/>
-          </a:p>
-          <a:p>
-            <a:pPr marL="514350" indent="-514350">
-              <a:buFont typeface="+mj-lt"/>
-              <a:buAutoNum type="arabicPeriod"/>
-            </a:pPr>
             <a:r>
               <a:rPr lang="en-US" dirty="0"/>
-              <a:t>Can you reduce the number of model parameters? That might allow you to plot how the parameters evolve during training.</a:t>
-            </a:r>
-          </a:p>
-          <a:p>
-            <a:pPr marL="514350" indent="-514350">
-              <a:buFont typeface="+mj-lt"/>
-              <a:buAutoNum type="arabicPeriod"/>
-            </a:pPr>
-            <a:endParaRPr lang="en-US" dirty="0"/>
-          </a:p>
-          <a:p>
-            <a:pPr marL="514350" indent="-514350">
-              <a:buFont typeface="+mj-lt"/>
-              <a:buAutoNum type="arabicPeriod"/>
-            </a:pPr>
-            <a:r>
-              <a:rPr lang="en-US" dirty="0"/>
-              <a:t>If you cannot reduce dimensions (are you sure?), then plot anyway. Beware of t-SNE and the likes: plots looks great but tend to be so misleading that you cannot learn from them.</a:t>
+              <a:t>If you can, start with linear model. Here you often understand all aspects of the model. For instance, an autoencoder with a linear encoder and decoder should give you the same latent codes as PCA. Always, start with the settings where you can verify if your implementation does the right thing in non-trivial models, we don't know what the model should be doing, so debugging is difficult...</a:t>
             </a:r>
             <a:endParaRPr lang="da-DK" dirty="0"/>
           </a:p>
@@ -7437,7 +7924,7 @@
           <p:cNvPr id="4" name="Date Placeholder 3">
             <a:extLst>
               <a:ext uri="{FF2B5EF4-FFF2-40B4-BE49-F238E27FC236}">
-                <a16:creationId xmlns:a16="http://schemas.microsoft.com/office/drawing/2014/main" id="{5EA75FD4-C172-494E-BFDB-40F1261A10D9}"/>
+                <a16:creationId xmlns:a16="http://schemas.microsoft.com/office/drawing/2014/main" id="{CDF76A0D-BB5F-4019-B564-1C7DF302168A}"/>
               </a:ext>
             </a:extLst>
           </p:cNvPr>
@@ -7455,9 +7942,9 @@
           <a:p>
             <a:fld id="{019E29B9-5584-4737-9C98-1B926378C778}" type="datetime1">
               <a:rPr lang="en-US" smtClean="0"/>
-              <a:t>6/8/2021</a:t>
+              <a:t>1/6/2022</a:t>
             </a:fld>
-            <a:endParaRPr lang="da-DK" dirty="0"/>
+            <a:endParaRPr lang="da-DK"/>
           </a:p>
         </p:txBody>
       </p:sp>
@@ -7466,7 +7953,7 @@
           <p:cNvPr id="5" name="Footer Placeholder 4">
             <a:extLst>
               <a:ext uri="{FF2B5EF4-FFF2-40B4-BE49-F238E27FC236}">
-                <a16:creationId xmlns:a16="http://schemas.microsoft.com/office/drawing/2014/main" id="{082A24CC-3CA7-4514-AD90-6AF93823956A}"/>
+                <a16:creationId xmlns:a16="http://schemas.microsoft.com/office/drawing/2014/main" id="{AAF45CBC-B834-4808-A28D-D1F96BC719D2}"/>
               </a:ext>
             </a:extLst>
           </p:cNvPr>
@@ -7494,7 +7981,7 @@
           <p:cNvPr id="6" name="Slide Number Placeholder 5">
             <a:extLst>
               <a:ext uri="{FF2B5EF4-FFF2-40B4-BE49-F238E27FC236}">
-                <a16:creationId xmlns:a16="http://schemas.microsoft.com/office/drawing/2014/main" id="{9E4A4616-D692-4C7F-8857-A43B2DABCE70}"/>
+                <a16:creationId xmlns:a16="http://schemas.microsoft.com/office/drawing/2014/main" id="{91A81DAF-9206-4350-A7D1-6610918ED812}"/>
               </a:ext>
             </a:extLst>
           </p:cNvPr>
@@ -7521,7 +8008,7 @@
     </p:spTree>
     <p:extLst>
       <p:ext uri="{BB962C8B-B14F-4D97-AF65-F5344CB8AC3E}">
-        <p14:creationId xmlns:p14="http://schemas.microsoft.com/office/powerpoint/2010/main" val="444938066"/>
+        <p14:creationId xmlns:p14="http://schemas.microsoft.com/office/powerpoint/2010/main" val="2127134423"/>
       </p:ext>
     </p:extLst>
   </p:cSld>
